--- a/sdms/images/productionCapacity/imgorigin.pptx
+++ b/sdms/images/productionCapacity/imgorigin.pptx
@@ -7,6 +7,7 @@
   <p:sldIdLst>
     <p:sldId id="256" r:id="rId2"/>
     <p:sldId id="257" r:id="rId3"/>
+    <p:sldId id="258" r:id="rId4"/>
   </p:sldIdLst>
   <p:sldSz cx="12192000" cy="6858000"/>
   <p:notesSz cx="6858000" cy="9144000"/>
@@ -260,7 +261,7 @@
           <a:p>
             <a:fld id="{6225CF1D-AA38-402F-8B1B-9F32CAAFFAE2}" type="datetimeFigureOut">
               <a:rPr lang="zh-TW" altLang="en-US" smtClean="0"/>
-              <a:t>2023/7/7</a:t>
+              <a:t>2025/7/2</a:t>
             </a:fld>
             <a:endParaRPr lang="zh-TW" altLang="en-US"/>
           </a:p>
@@ -458,7 +459,7 @@
           <a:p>
             <a:fld id="{6225CF1D-AA38-402F-8B1B-9F32CAAFFAE2}" type="datetimeFigureOut">
               <a:rPr lang="zh-TW" altLang="en-US" smtClean="0"/>
-              <a:t>2023/7/7</a:t>
+              <a:t>2025/7/2</a:t>
             </a:fld>
             <a:endParaRPr lang="zh-TW" altLang="en-US"/>
           </a:p>
@@ -666,7 +667,7 @@
           <a:p>
             <a:fld id="{6225CF1D-AA38-402F-8B1B-9F32CAAFFAE2}" type="datetimeFigureOut">
               <a:rPr lang="zh-TW" altLang="en-US" smtClean="0"/>
-              <a:t>2023/7/7</a:t>
+              <a:t>2025/7/2</a:t>
             </a:fld>
             <a:endParaRPr lang="zh-TW" altLang="en-US"/>
           </a:p>
@@ -864,7 +865,7 @@
           <a:p>
             <a:fld id="{6225CF1D-AA38-402F-8B1B-9F32CAAFFAE2}" type="datetimeFigureOut">
               <a:rPr lang="zh-TW" altLang="en-US" smtClean="0"/>
-              <a:t>2023/7/7</a:t>
+              <a:t>2025/7/2</a:t>
             </a:fld>
             <a:endParaRPr lang="zh-TW" altLang="en-US"/>
           </a:p>
@@ -1139,7 +1140,7 @@
           <a:p>
             <a:fld id="{6225CF1D-AA38-402F-8B1B-9F32CAAFFAE2}" type="datetimeFigureOut">
               <a:rPr lang="zh-TW" altLang="en-US" smtClean="0"/>
-              <a:t>2023/7/7</a:t>
+              <a:t>2025/7/2</a:t>
             </a:fld>
             <a:endParaRPr lang="zh-TW" altLang="en-US"/>
           </a:p>
@@ -1404,7 +1405,7 @@
           <a:p>
             <a:fld id="{6225CF1D-AA38-402F-8B1B-9F32CAAFFAE2}" type="datetimeFigureOut">
               <a:rPr lang="zh-TW" altLang="en-US" smtClean="0"/>
-              <a:t>2023/7/7</a:t>
+              <a:t>2025/7/2</a:t>
             </a:fld>
             <a:endParaRPr lang="zh-TW" altLang="en-US"/>
           </a:p>
@@ -1816,7 +1817,7 @@
           <a:p>
             <a:fld id="{6225CF1D-AA38-402F-8B1B-9F32CAAFFAE2}" type="datetimeFigureOut">
               <a:rPr lang="zh-TW" altLang="en-US" smtClean="0"/>
-              <a:t>2023/7/7</a:t>
+              <a:t>2025/7/2</a:t>
             </a:fld>
             <a:endParaRPr lang="zh-TW" altLang="en-US"/>
           </a:p>
@@ -1957,7 +1958,7 @@
           <a:p>
             <a:fld id="{6225CF1D-AA38-402F-8B1B-9F32CAAFFAE2}" type="datetimeFigureOut">
               <a:rPr lang="zh-TW" altLang="en-US" smtClean="0"/>
-              <a:t>2023/7/7</a:t>
+              <a:t>2025/7/2</a:t>
             </a:fld>
             <a:endParaRPr lang="zh-TW" altLang="en-US"/>
           </a:p>
@@ -2070,7 +2071,7 @@
           <a:p>
             <a:fld id="{6225CF1D-AA38-402F-8B1B-9F32CAAFFAE2}" type="datetimeFigureOut">
               <a:rPr lang="zh-TW" altLang="en-US" smtClean="0"/>
-              <a:t>2023/7/7</a:t>
+              <a:t>2025/7/2</a:t>
             </a:fld>
             <a:endParaRPr lang="zh-TW" altLang="en-US"/>
           </a:p>
@@ -2381,7 +2382,7 @@
           <a:p>
             <a:fld id="{6225CF1D-AA38-402F-8B1B-9F32CAAFFAE2}" type="datetimeFigureOut">
               <a:rPr lang="zh-TW" altLang="en-US" smtClean="0"/>
-              <a:t>2023/7/7</a:t>
+              <a:t>2025/7/2</a:t>
             </a:fld>
             <a:endParaRPr lang="zh-TW" altLang="en-US"/>
           </a:p>
@@ -2669,7 +2670,7 @@
           <a:p>
             <a:fld id="{6225CF1D-AA38-402F-8B1B-9F32CAAFFAE2}" type="datetimeFigureOut">
               <a:rPr lang="zh-TW" altLang="en-US" smtClean="0"/>
-              <a:t>2023/7/7</a:t>
+              <a:t>2025/7/2</a:t>
             </a:fld>
             <a:endParaRPr lang="zh-TW" altLang="en-US"/>
           </a:p>
@@ -2910,7 +2911,7 @@
           <a:p>
             <a:fld id="{6225CF1D-AA38-402F-8B1B-9F32CAAFFAE2}" type="datetimeFigureOut">
               <a:rPr lang="zh-TW" altLang="en-US" smtClean="0"/>
-              <a:t>2023/7/7</a:t>
+              <a:t>2025/7/2</a:t>
             </a:fld>
             <a:endParaRPr lang="zh-TW" altLang="en-US"/>
           </a:p>
@@ -7337,6 +7338,1689 @@
 </p:sld>
 </file>
 
+<file path=ppt/slides/slide3.xml><?xml version="1.0" encoding="utf-8"?>
+<p:sld xmlns:a="http://schemas.openxmlformats.org/drawingml/2006/main" xmlns:r="http://schemas.openxmlformats.org/officeDocument/2006/relationships" xmlns:p="http://schemas.openxmlformats.org/presentationml/2006/main">
+  <p:cSld>
+    <p:spTree>
+      <p:nvGrpSpPr>
+        <p:cNvPr id="1" name=""/>
+        <p:cNvGrpSpPr/>
+        <p:nvPr/>
+      </p:nvGrpSpPr>
+      <p:grpSpPr>
+        <a:xfrm>
+          <a:off x="0" y="0"/>
+          <a:ext cx="0" cy="0"/>
+          <a:chOff x="0" y="0"/>
+          <a:chExt cx="0" cy="0"/>
+        </a:xfrm>
+      </p:grpSpPr>
+      <p:grpSp>
+        <p:nvGrpSpPr>
+          <p:cNvPr id="80" name="群組 79">
+            <a:extLst>
+              <a:ext uri="{FF2B5EF4-FFF2-40B4-BE49-F238E27FC236}">
+                <a16:creationId xmlns:a16="http://schemas.microsoft.com/office/drawing/2014/main" id="{E214F19B-E115-4A74-B834-9D14A7ABC7EC}"/>
+              </a:ext>
+            </a:extLst>
+          </p:cNvPr>
+          <p:cNvGrpSpPr/>
+          <p:nvPr/>
+        </p:nvGrpSpPr>
+        <p:grpSpPr>
+          <a:xfrm>
+            <a:off x="483658" y="1325033"/>
+            <a:ext cx="11238972" cy="4207933"/>
+            <a:chOff x="62442" y="1325033"/>
+            <a:chExt cx="11238972" cy="4207933"/>
+          </a:xfrm>
+        </p:grpSpPr>
+        <p:pic>
+          <p:nvPicPr>
+            <p:cNvPr id="5" name="圖片 4">
+              <a:extLst>
+                <a:ext uri="{FF2B5EF4-FFF2-40B4-BE49-F238E27FC236}">
+                  <a16:creationId xmlns:a16="http://schemas.microsoft.com/office/drawing/2014/main" id="{4C2A2F3D-0A5F-4328-9BD1-77265C684FA6}"/>
+                </a:ext>
+              </a:extLst>
+            </p:cNvPr>
+            <p:cNvPicPr>
+              <a:picLocks noChangeAspect="1"/>
+            </p:cNvPicPr>
+            <p:nvPr/>
+          </p:nvPicPr>
+          <p:blipFill rotWithShape="1">
+            <a:blip r:embed="rId2">
+              <a:extLst>
+                <a:ext uri="{28A0092B-C50C-407E-A947-70E740481C1C}">
+                  <a14:useLocalDpi xmlns:a14="http://schemas.microsoft.com/office/drawing/2010/main" val="0"/>
+                </a:ext>
+              </a:extLst>
+            </a:blip>
+            <a:srcRect r="22925"/>
+            <a:stretch/>
+          </p:blipFill>
+          <p:spPr>
+            <a:xfrm>
+              <a:off x="3213100" y="1325033"/>
+              <a:ext cx="5765800" cy="4207933"/>
+            </a:xfrm>
+            <a:prstGeom prst="rect">
+              <a:avLst/>
+            </a:prstGeom>
+          </p:spPr>
+        </p:pic>
+        <p:sp>
+          <p:nvSpPr>
+            <p:cNvPr id="9" name="橢圓 8">
+              <a:extLst>
+                <a:ext uri="{FF2B5EF4-FFF2-40B4-BE49-F238E27FC236}">
+                  <a16:creationId xmlns:a16="http://schemas.microsoft.com/office/drawing/2014/main" id="{F542D342-73F4-45D6-8005-C258C7ED0479}"/>
+                </a:ext>
+              </a:extLst>
+            </p:cNvPr>
+            <p:cNvSpPr/>
+            <p:nvPr/>
+          </p:nvSpPr>
+          <p:spPr>
+            <a:xfrm>
+              <a:off x="5092700" y="4542367"/>
+              <a:ext cx="127000" cy="127000"/>
+            </a:xfrm>
+            <a:prstGeom prst="ellipse">
+              <a:avLst/>
+            </a:prstGeom>
+            <a:solidFill>
+              <a:srgbClr val="FF0000"/>
+            </a:solidFill>
+            <a:ln>
+              <a:noFill/>
+            </a:ln>
+          </p:spPr>
+          <p:style>
+            <a:lnRef idx="2">
+              <a:schemeClr val="accent1">
+                <a:shade val="50000"/>
+              </a:schemeClr>
+            </a:lnRef>
+            <a:fillRef idx="1">
+              <a:schemeClr val="accent1"/>
+            </a:fillRef>
+            <a:effectRef idx="0">
+              <a:schemeClr val="accent1"/>
+            </a:effectRef>
+            <a:fontRef idx="minor">
+              <a:schemeClr val="lt1"/>
+            </a:fontRef>
+          </p:style>
+          <p:txBody>
+            <a:bodyPr rtlCol="0" anchor="ctr"/>
+            <a:lstStyle/>
+            <a:p>
+              <a:pPr algn="ctr"/>
+              <a:endParaRPr lang="zh-TW" altLang="en-US"/>
+            </a:p>
+          </p:txBody>
+        </p:sp>
+        <p:cxnSp>
+          <p:nvCxnSpPr>
+            <p:cNvPr id="12" name="直線接點 11">
+              <a:extLst>
+                <a:ext uri="{FF2B5EF4-FFF2-40B4-BE49-F238E27FC236}">
+                  <a16:creationId xmlns:a16="http://schemas.microsoft.com/office/drawing/2014/main" id="{A1FF8DE9-1E1E-4E6B-AE30-E4ED06B740D2}"/>
+                </a:ext>
+              </a:extLst>
+            </p:cNvPr>
+            <p:cNvCxnSpPr>
+              <a:cxnSpLocks/>
+            </p:cNvCxnSpPr>
+            <p:nvPr/>
+          </p:nvCxnSpPr>
+          <p:spPr>
+            <a:xfrm flipH="1">
+              <a:off x="2670175" y="4607984"/>
+              <a:ext cx="2422525" cy="0"/>
+            </a:xfrm>
+            <a:prstGeom prst="line">
+              <a:avLst/>
+            </a:prstGeom>
+            <a:ln w="38100">
+              <a:solidFill>
+                <a:srgbClr val="FF0000"/>
+              </a:solidFill>
+              <a:prstDash val="sysDash"/>
+            </a:ln>
+          </p:spPr>
+          <p:style>
+            <a:lnRef idx="1">
+              <a:schemeClr val="accent1"/>
+            </a:lnRef>
+            <a:fillRef idx="0">
+              <a:schemeClr val="accent1"/>
+            </a:fillRef>
+            <a:effectRef idx="0">
+              <a:schemeClr val="accent1"/>
+            </a:effectRef>
+            <a:fontRef idx="minor">
+              <a:schemeClr val="tx1"/>
+            </a:fontRef>
+          </p:style>
+        </p:cxnSp>
+        <p:sp>
+          <p:nvSpPr>
+            <p:cNvPr id="13" name="橢圓 12">
+              <a:extLst>
+                <a:ext uri="{FF2B5EF4-FFF2-40B4-BE49-F238E27FC236}">
+                  <a16:creationId xmlns:a16="http://schemas.microsoft.com/office/drawing/2014/main" id="{8A7462BE-7F4C-45EE-B654-D27F3EBD182E}"/>
+                </a:ext>
+              </a:extLst>
+            </p:cNvPr>
+            <p:cNvSpPr/>
+            <p:nvPr/>
+          </p:nvSpPr>
+          <p:spPr>
+            <a:xfrm>
+              <a:off x="4233333" y="3899960"/>
+              <a:ext cx="127000" cy="127000"/>
+            </a:xfrm>
+            <a:prstGeom prst="ellipse">
+              <a:avLst/>
+            </a:prstGeom>
+            <a:solidFill>
+              <a:srgbClr val="FF0000"/>
+            </a:solidFill>
+            <a:ln>
+              <a:noFill/>
+            </a:ln>
+          </p:spPr>
+          <p:style>
+            <a:lnRef idx="2">
+              <a:schemeClr val="accent1">
+                <a:shade val="50000"/>
+              </a:schemeClr>
+            </a:lnRef>
+            <a:fillRef idx="1">
+              <a:schemeClr val="accent1"/>
+            </a:fillRef>
+            <a:effectRef idx="0">
+              <a:schemeClr val="accent1"/>
+            </a:effectRef>
+            <a:fontRef idx="minor">
+              <a:schemeClr val="lt1"/>
+            </a:fontRef>
+          </p:style>
+          <p:txBody>
+            <a:bodyPr rtlCol="0" anchor="ctr"/>
+            <a:lstStyle/>
+            <a:p>
+              <a:pPr algn="ctr"/>
+              <a:endParaRPr lang="zh-TW" altLang="en-US"/>
+            </a:p>
+          </p:txBody>
+        </p:sp>
+        <p:cxnSp>
+          <p:nvCxnSpPr>
+            <p:cNvPr id="14" name="直線接點 13">
+              <a:extLst>
+                <a:ext uri="{FF2B5EF4-FFF2-40B4-BE49-F238E27FC236}">
+                  <a16:creationId xmlns:a16="http://schemas.microsoft.com/office/drawing/2014/main" id="{6D844EA7-EA38-410B-BBB0-2B67E31B3F70}"/>
+                </a:ext>
+              </a:extLst>
+            </p:cNvPr>
+            <p:cNvCxnSpPr>
+              <a:cxnSpLocks/>
+            </p:cNvCxnSpPr>
+            <p:nvPr/>
+          </p:nvCxnSpPr>
+          <p:spPr>
+            <a:xfrm flipH="1">
+              <a:off x="2684462" y="3965577"/>
+              <a:ext cx="1548872" cy="0"/>
+            </a:xfrm>
+            <a:prstGeom prst="line">
+              <a:avLst/>
+            </a:prstGeom>
+            <a:ln w="38100">
+              <a:solidFill>
+                <a:srgbClr val="FF0000"/>
+              </a:solidFill>
+              <a:prstDash val="sysDash"/>
+            </a:ln>
+          </p:spPr>
+          <p:style>
+            <a:lnRef idx="1">
+              <a:schemeClr val="accent1"/>
+            </a:lnRef>
+            <a:fillRef idx="0">
+              <a:schemeClr val="accent1"/>
+            </a:fillRef>
+            <a:effectRef idx="0">
+              <a:schemeClr val="accent1"/>
+            </a:effectRef>
+            <a:fontRef idx="minor">
+              <a:schemeClr val="tx1"/>
+            </a:fontRef>
+          </p:style>
+        </p:cxnSp>
+        <p:cxnSp>
+          <p:nvCxnSpPr>
+            <p:cNvPr id="17" name="直線接點 16">
+              <a:extLst>
+                <a:ext uri="{FF2B5EF4-FFF2-40B4-BE49-F238E27FC236}">
+                  <a16:creationId xmlns:a16="http://schemas.microsoft.com/office/drawing/2014/main" id="{975A3870-73E0-4045-BCF9-ADF9F5F0AB2F}"/>
+                </a:ext>
+              </a:extLst>
+            </p:cNvPr>
+            <p:cNvCxnSpPr>
+              <a:cxnSpLocks/>
+            </p:cNvCxnSpPr>
+            <p:nvPr/>
+          </p:nvCxnSpPr>
+          <p:spPr>
+            <a:xfrm flipH="1">
+              <a:off x="2698750" y="2338920"/>
+              <a:ext cx="208757" cy="0"/>
+            </a:xfrm>
+            <a:prstGeom prst="line">
+              <a:avLst/>
+            </a:prstGeom>
+            <a:ln w="38100">
+              <a:solidFill>
+                <a:srgbClr val="FF0000"/>
+              </a:solidFill>
+            </a:ln>
+          </p:spPr>
+          <p:style>
+            <a:lnRef idx="1">
+              <a:schemeClr val="accent1"/>
+            </a:lnRef>
+            <a:fillRef idx="0">
+              <a:schemeClr val="accent1"/>
+            </a:fillRef>
+            <a:effectRef idx="0">
+              <a:schemeClr val="accent1"/>
+            </a:effectRef>
+            <a:fontRef idx="minor">
+              <a:schemeClr val="tx1"/>
+            </a:fontRef>
+          </p:style>
+        </p:cxnSp>
+        <p:cxnSp>
+          <p:nvCxnSpPr>
+            <p:cNvPr id="18" name="直線接點 17">
+              <a:extLst>
+                <a:ext uri="{FF2B5EF4-FFF2-40B4-BE49-F238E27FC236}">
+                  <a16:creationId xmlns:a16="http://schemas.microsoft.com/office/drawing/2014/main" id="{6FA1A1C6-B215-4F0A-B18D-8B5C457A25F8}"/>
+                </a:ext>
+              </a:extLst>
+            </p:cNvPr>
+            <p:cNvCxnSpPr>
+              <a:cxnSpLocks/>
+            </p:cNvCxnSpPr>
+            <p:nvPr/>
+          </p:nvCxnSpPr>
+          <p:spPr>
+            <a:xfrm flipH="1" flipV="1">
+              <a:off x="2895600" y="2327809"/>
+              <a:ext cx="478366" cy="706965"/>
+            </a:xfrm>
+            <a:prstGeom prst="line">
+              <a:avLst/>
+            </a:prstGeom>
+            <a:ln w="38100">
+              <a:solidFill>
+                <a:srgbClr val="FF0000"/>
+              </a:solidFill>
+              <a:prstDash val="sysDash"/>
+            </a:ln>
+          </p:spPr>
+          <p:style>
+            <a:lnRef idx="1">
+              <a:schemeClr val="accent1"/>
+            </a:lnRef>
+            <a:fillRef idx="0">
+              <a:schemeClr val="accent1"/>
+            </a:fillRef>
+            <a:effectRef idx="0">
+              <a:schemeClr val="accent1"/>
+            </a:effectRef>
+            <a:fontRef idx="minor">
+              <a:schemeClr val="tx1"/>
+            </a:fontRef>
+          </p:style>
+        </p:cxnSp>
+        <p:sp>
+          <p:nvSpPr>
+            <p:cNvPr id="16" name="橢圓 15">
+              <a:extLst>
+                <a:ext uri="{FF2B5EF4-FFF2-40B4-BE49-F238E27FC236}">
+                  <a16:creationId xmlns:a16="http://schemas.microsoft.com/office/drawing/2014/main" id="{F615096C-6F0F-49BA-8B0A-F510FD1CDD88}"/>
+                </a:ext>
+              </a:extLst>
+            </p:cNvPr>
+            <p:cNvSpPr/>
+            <p:nvPr/>
+          </p:nvSpPr>
+          <p:spPr>
+            <a:xfrm>
+              <a:off x="3310466" y="2973391"/>
+              <a:ext cx="127000" cy="127000"/>
+            </a:xfrm>
+            <a:prstGeom prst="ellipse">
+              <a:avLst/>
+            </a:prstGeom>
+            <a:solidFill>
+              <a:srgbClr val="FF0000"/>
+            </a:solidFill>
+            <a:ln>
+              <a:noFill/>
+            </a:ln>
+          </p:spPr>
+          <p:style>
+            <a:lnRef idx="2">
+              <a:schemeClr val="accent1">
+                <a:shade val="50000"/>
+              </a:schemeClr>
+            </a:lnRef>
+            <a:fillRef idx="1">
+              <a:schemeClr val="accent1"/>
+            </a:fillRef>
+            <a:effectRef idx="0">
+              <a:schemeClr val="accent1"/>
+            </a:effectRef>
+            <a:fontRef idx="minor">
+              <a:schemeClr val="lt1"/>
+            </a:fontRef>
+          </p:style>
+          <p:txBody>
+            <a:bodyPr rtlCol="0" anchor="ctr"/>
+            <a:lstStyle/>
+            <a:p>
+              <a:pPr algn="ctr"/>
+              <a:endParaRPr lang="zh-TW" altLang="en-US" dirty="0"/>
+            </a:p>
+          </p:txBody>
+        </p:sp>
+        <p:cxnSp>
+          <p:nvCxnSpPr>
+            <p:cNvPr id="35" name="直線接點 34">
+              <a:extLst>
+                <a:ext uri="{FF2B5EF4-FFF2-40B4-BE49-F238E27FC236}">
+                  <a16:creationId xmlns:a16="http://schemas.microsoft.com/office/drawing/2014/main" id="{BAC01434-0B8A-4459-BFF5-F16C7EF17E04}"/>
+                </a:ext>
+              </a:extLst>
+            </p:cNvPr>
+            <p:cNvCxnSpPr>
+              <a:cxnSpLocks/>
+            </p:cNvCxnSpPr>
+            <p:nvPr/>
+          </p:nvCxnSpPr>
+          <p:spPr>
+            <a:xfrm flipH="1">
+              <a:off x="7700962" y="4906439"/>
+              <a:ext cx="2100262" cy="0"/>
+            </a:xfrm>
+            <a:prstGeom prst="line">
+              <a:avLst/>
+            </a:prstGeom>
+            <a:ln w="38100">
+              <a:solidFill>
+                <a:srgbClr val="FF0000"/>
+              </a:solidFill>
+              <a:prstDash val="sysDash"/>
+            </a:ln>
+          </p:spPr>
+          <p:style>
+            <a:lnRef idx="1">
+              <a:schemeClr val="accent1"/>
+            </a:lnRef>
+            <a:fillRef idx="0">
+              <a:schemeClr val="accent1"/>
+            </a:fillRef>
+            <a:effectRef idx="0">
+              <a:schemeClr val="accent1"/>
+            </a:effectRef>
+            <a:fontRef idx="minor">
+              <a:schemeClr val="tx1"/>
+            </a:fontRef>
+          </p:style>
+        </p:cxnSp>
+        <p:sp>
+          <p:nvSpPr>
+            <p:cNvPr id="36" name="橢圓 35">
+              <a:extLst>
+                <a:ext uri="{FF2B5EF4-FFF2-40B4-BE49-F238E27FC236}">
+                  <a16:creationId xmlns:a16="http://schemas.microsoft.com/office/drawing/2014/main" id="{B8BC5EEC-F0E8-4F58-8DC4-17C855BD263A}"/>
+                </a:ext>
+              </a:extLst>
+            </p:cNvPr>
+            <p:cNvSpPr/>
+            <p:nvPr/>
+          </p:nvSpPr>
+          <p:spPr>
+            <a:xfrm>
+              <a:off x="7333842" y="4367647"/>
+              <a:ext cx="127000" cy="127000"/>
+            </a:xfrm>
+            <a:prstGeom prst="ellipse">
+              <a:avLst/>
+            </a:prstGeom>
+            <a:solidFill>
+              <a:srgbClr val="FF0000"/>
+            </a:solidFill>
+            <a:ln>
+              <a:noFill/>
+            </a:ln>
+          </p:spPr>
+          <p:style>
+            <a:lnRef idx="2">
+              <a:schemeClr val="accent1">
+                <a:shade val="50000"/>
+              </a:schemeClr>
+            </a:lnRef>
+            <a:fillRef idx="1">
+              <a:schemeClr val="accent1"/>
+            </a:fillRef>
+            <a:effectRef idx="0">
+              <a:schemeClr val="accent1"/>
+            </a:effectRef>
+            <a:fontRef idx="minor">
+              <a:schemeClr val="lt1"/>
+            </a:fontRef>
+          </p:style>
+          <p:txBody>
+            <a:bodyPr rtlCol="0" anchor="ctr"/>
+            <a:lstStyle/>
+            <a:p>
+              <a:pPr algn="ctr"/>
+              <a:endParaRPr lang="zh-TW" altLang="en-US"/>
+            </a:p>
+          </p:txBody>
+        </p:sp>
+        <p:cxnSp>
+          <p:nvCxnSpPr>
+            <p:cNvPr id="37" name="直線接點 36">
+              <a:extLst>
+                <a:ext uri="{FF2B5EF4-FFF2-40B4-BE49-F238E27FC236}">
+                  <a16:creationId xmlns:a16="http://schemas.microsoft.com/office/drawing/2014/main" id="{30EFA6ED-B16E-478D-809D-2AC20681A958}"/>
+                </a:ext>
+              </a:extLst>
+            </p:cNvPr>
+            <p:cNvCxnSpPr>
+              <a:cxnSpLocks/>
+            </p:cNvCxnSpPr>
+            <p:nvPr/>
+          </p:nvCxnSpPr>
+          <p:spPr>
+            <a:xfrm flipH="1">
+              <a:off x="6888956" y="4233864"/>
+              <a:ext cx="2919414" cy="0"/>
+            </a:xfrm>
+            <a:prstGeom prst="line">
+              <a:avLst/>
+            </a:prstGeom>
+            <a:ln w="38100">
+              <a:solidFill>
+                <a:srgbClr val="FF0000"/>
+              </a:solidFill>
+              <a:prstDash val="sysDash"/>
+            </a:ln>
+          </p:spPr>
+          <p:style>
+            <a:lnRef idx="1">
+              <a:schemeClr val="accent1"/>
+            </a:lnRef>
+            <a:fillRef idx="0">
+              <a:schemeClr val="accent1"/>
+            </a:fillRef>
+            <a:effectRef idx="0">
+              <a:schemeClr val="accent1"/>
+            </a:effectRef>
+            <a:fontRef idx="minor">
+              <a:schemeClr val="tx1"/>
+            </a:fontRef>
+          </p:style>
+        </p:cxnSp>
+        <p:sp>
+          <p:nvSpPr>
+            <p:cNvPr id="38" name="橢圓 37">
+              <a:extLst>
+                <a:ext uri="{FF2B5EF4-FFF2-40B4-BE49-F238E27FC236}">
+                  <a16:creationId xmlns:a16="http://schemas.microsoft.com/office/drawing/2014/main" id="{3D3E7234-BD78-4583-A76D-7373E6158A9F}"/>
+                </a:ext>
+              </a:extLst>
+            </p:cNvPr>
+            <p:cNvSpPr/>
+            <p:nvPr/>
+          </p:nvSpPr>
+          <p:spPr>
+            <a:xfrm>
+              <a:off x="6556375" y="3751794"/>
+              <a:ext cx="127000" cy="127000"/>
+            </a:xfrm>
+            <a:prstGeom prst="ellipse">
+              <a:avLst/>
+            </a:prstGeom>
+            <a:solidFill>
+              <a:srgbClr val="FF0000"/>
+            </a:solidFill>
+            <a:ln>
+              <a:noFill/>
+            </a:ln>
+          </p:spPr>
+          <p:style>
+            <a:lnRef idx="2">
+              <a:schemeClr val="accent1">
+                <a:shade val="50000"/>
+              </a:schemeClr>
+            </a:lnRef>
+            <a:fillRef idx="1">
+              <a:schemeClr val="accent1"/>
+            </a:fillRef>
+            <a:effectRef idx="0">
+              <a:schemeClr val="accent1"/>
+            </a:effectRef>
+            <a:fontRef idx="minor">
+              <a:schemeClr val="lt1"/>
+            </a:fontRef>
+          </p:style>
+          <p:txBody>
+            <a:bodyPr rtlCol="0" anchor="ctr"/>
+            <a:lstStyle/>
+            <a:p>
+              <a:pPr algn="ctr"/>
+              <a:endParaRPr lang="zh-TW" altLang="en-US"/>
+            </a:p>
+          </p:txBody>
+        </p:sp>
+        <p:cxnSp>
+          <p:nvCxnSpPr>
+            <p:cNvPr id="40" name="直線接點 39">
+              <a:extLst>
+                <a:ext uri="{FF2B5EF4-FFF2-40B4-BE49-F238E27FC236}">
+                  <a16:creationId xmlns:a16="http://schemas.microsoft.com/office/drawing/2014/main" id="{44BE09D9-0F43-44A1-9460-689297C023C5}"/>
+                </a:ext>
+              </a:extLst>
+            </p:cNvPr>
+            <p:cNvCxnSpPr>
+              <a:cxnSpLocks/>
+            </p:cNvCxnSpPr>
+            <p:nvPr/>
+          </p:nvCxnSpPr>
+          <p:spPr>
+            <a:xfrm flipH="1">
+              <a:off x="7115174" y="3559273"/>
+              <a:ext cx="2686050" cy="0"/>
+            </a:xfrm>
+            <a:prstGeom prst="line">
+              <a:avLst/>
+            </a:prstGeom>
+            <a:ln w="38100">
+              <a:solidFill>
+                <a:srgbClr val="FF0000"/>
+              </a:solidFill>
+              <a:prstDash val="sysDash"/>
+            </a:ln>
+          </p:spPr>
+          <p:style>
+            <a:lnRef idx="1">
+              <a:schemeClr val="accent1"/>
+            </a:lnRef>
+            <a:fillRef idx="0">
+              <a:schemeClr val="accent1"/>
+            </a:fillRef>
+            <a:effectRef idx="0">
+              <a:schemeClr val="accent1"/>
+            </a:effectRef>
+            <a:fontRef idx="minor">
+              <a:schemeClr val="tx1"/>
+            </a:fontRef>
+          </p:style>
+        </p:cxnSp>
+        <p:sp>
+          <p:nvSpPr>
+            <p:cNvPr id="41" name="橢圓 40">
+              <a:extLst>
+                <a:ext uri="{FF2B5EF4-FFF2-40B4-BE49-F238E27FC236}">
+                  <a16:creationId xmlns:a16="http://schemas.microsoft.com/office/drawing/2014/main" id="{4AC134A7-3675-4503-8E6D-D44B3CE45239}"/>
+                </a:ext>
+              </a:extLst>
+            </p:cNvPr>
+            <p:cNvSpPr/>
+            <p:nvPr/>
+          </p:nvSpPr>
+          <p:spPr>
+            <a:xfrm>
+              <a:off x="6937375" y="3593044"/>
+              <a:ext cx="127000" cy="127000"/>
+            </a:xfrm>
+            <a:prstGeom prst="ellipse">
+              <a:avLst/>
+            </a:prstGeom>
+            <a:solidFill>
+              <a:srgbClr val="FF0000"/>
+            </a:solidFill>
+            <a:ln>
+              <a:noFill/>
+            </a:ln>
+          </p:spPr>
+          <p:style>
+            <a:lnRef idx="2">
+              <a:schemeClr val="accent1">
+                <a:shade val="50000"/>
+              </a:schemeClr>
+            </a:lnRef>
+            <a:fillRef idx="1">
+              <a:schemeClr val="accent1"/>
+            </a:fillRef>
+            <a:effectRef idx="0">
+              <a:schemeClr val="accent1"/>
+            </a:effectRef>
+            <a:fontRef idx="minor">
+              <a:schemeClr val="lt1"/>
+            </a:fontRef>
+          </p:style>
+          <p:txBody>
+            <a:bodyPr rtlCol="0" anchor="ctr"/>
+            <a:lstStyle/>
+            <a:p>
+              <a:pPr algn="ctr"/>
+              <a:endParaRPr lang="zh-TW" altLang="en-US"/>
+            </a:p>
+          </p:txBody>
+        </p:sp>
+        <p:cxnSp>
+          <p:nvCxnSpPr>
+            <p:cNvPr id="42" name="直線接點 41">
+              <a:extLst>
+                <a:ext uri="{FF2B5EF4-FFF2-40B4-BE49-F238E27FC236}">
+                  <a16:creationId xmlns:a16="http://schemas.microsoft.com/office/drawing/2014/main" id="{C74D45CF-DB8A-47EB-9D9E-25F1C5AF06CC}"/>
+                </a:ext>
+              </a:extLst>
+            </p:cNvPr>
+            <p:cNvCxnSpPr>
+              <a:cxnSpLocks/>
+            </p:cNvCxnSpPr>
+            <p:nvPr/>
+          </p:nvCxnSpPr>
+          <p:spPr>
+            <a:xfrm flipV="1">
+              <a:off x="7000875" y="3556049"/>
+              <a:ext cx="125512" cy="106583"/>
+            </a:xfrm>
+            <a:prstGeom prst="line">
+              <a:avLst/>
+            </a:prstGeom>
+            <a:ln w="38100">
+              <a:solidFill>
+                <a:srgbClr val="FF0000"/>
+              </a:solidFill>
+            </a:ln>
+          </p:spPr>
+          <p:style>
+            <a:lnRef idx="1">
+              <a:schemeClr val="accent1"/>
+            </a:lnRef>
+            <a:fillRef idx="0">
+              <a:schemeClr val="accent1"/>
+            </a:fillRef>
+            <a:effectRef idx="0">
+              <a:schemeClr val="accent1"/>
+            </a:effectRef>
+            <a:fontRef idx="minor">
+              <a:schemeClr val="tx1"/>
+            </a:fontRef>
+          </p:style>
+        </p:cxnSp>
+        <p:cxnSp>
+          <p:nvCxnSpPr>
+            <p:cNvPr id="44" name="直線接點 43">
+              <a:extLst>
+                <a:ext uri="{FF2B5EF4-FFF2-40B4-BE49-F238E27FC236}">
+                  <a16:creationId xmlns:a16="http://schemas.microsoft.com/office/drawing/2014/main" id="{B511EBCE-B041-4834-9EEA-28A7D697C634}"/>
+                </a:ext>
+              </a:extLst>
+            </p:cNvPr>
+            <p:cNvCxnSpPr>
+              <a:cxnSpLocks/>
+            </p:cNvCxnSpPr>
+            <p:nvPr/>
+          </p:nvCxnSpPr>
+          <p:spPr>
+            <a:xfrm flipH="1">
+              <a:off x="7134226" y="2891100"/>
+              <a:ext cx="2674143" cy="0"/>
+            </a:xfrm>
+            <a:prstGeom prst="line">
+              <a:avLst/>
+            </a:prstGeom>
+            <a:ln w="38100">
+              <a:solidFill>
+                <a:srgbClr val="FF0000"/>
+              </a:solidFill>
+              <a:prstDash val="sysDash"/>
+            </a:ln>
+          </p:spPr>
+          <p:style>
+            <a:lnRef idx="1">
+              <a:schemeClr val="accent1"/>
+            </a:lnRef>
+            <a:fillRef idx="0">
+              <a:schemeClr val="accent1"/>
+            </a:fillRef>
+            <a:effectRef idx="0">
+              <a:schemeClr val="accent1"/>
+            </a:effectRef>
+            <a:fontRef idx="minor">
+              <a:schemeClr val="tx1"/>
+            </a:fontRef>
+          </p:style>
+        </p:cxnSp>
+        <p:sp>
+          <p:nvSpPr>
+            <p:cNvPr id="45" name="橢圓 44">
+              <a:extLst>
+                <a:ext uri="{FF2B5EF4-FFF2-40B4-BE49-F238E27FC236}">
+                  <a16:creationId xmlns:a16="http://schemas.microsoft.com/office/drawing/2014/main" id="{258E7156-8C74-4B40-831C-C44053724428}"/>
+                </a:ext>
+              </a:extLst>
+            </p:cNvPr>
+            <p:cNvSpPr/>
+            <p:nvPr/>
+          </p:nvSpPr>
+          <p:spPr>
+            <a:xfrm>
+              <a:off x="6820694" y="3041654"/>
+              <a:ext cx="127000" cy="127000"/>
+            </a:xfrm>
+            <a:prstGeom prst="ellipse">
+              <a:avLst/>
+            </a:prstGeom>
+            <a:solidFill>
+              <a:srgbClr val="FF0000"/>
+            </a:solidFill>
+            <a:ln>
+              <a:noFill/>
+            </a:ln>
+          </p:spPr>
+          <p:style>
+            <a:lnRef idx="2">
+              <a:schemeClr val="accent1">
+                <a:shade val="50000"/>
+              </a:schemeClr>
+            </a:lnRef>
+            <a:fillRef idx="1">
+              <a:schemeClr val="accent1"/>
+            </a:fillRef>
+            <a:effectRef idx="0">
+              <a:schemeClr val="accent1"/>
+            </a:effectRef>
+            <a:fontRef idx="minor">
+              <a:schemeClr val="lt1"/>
+            </a:fontRef>
+          </p:style>
+          <p:txBody>
+            <a:bodyPr rtlCol="0" anchor="ctr"/>
+            <a:lstStyle/>
+            <a:p>
+              <a:pPr algn="ctr"/>
+              <a:endParaRPr lang="zh-TW" altLang="en-US"/>
+            </a:p>
+          </p:txBody>
+        </p:sp>
+        <p:cxnSp>
+          <p:nvCxnSpPr>
+            <p:cNvPr id="46" name="直線接點 45">
+              <a:extLst>
+                <a:ext uri="{FF2B5EF4-FFF2-40B4-BE49-F238E27FC236}">
+                  <a16:creationId xmlns:a16="http://schemas.microsoft.com/office/drawing/2014/main" id="{A22FB7A6-953A-4B99-A03D-E2707DD1F10D}"/>
+                </a:ext>
+              </a:extLst>
+            </p:cNvPr>
+            <p:cNvCxnSpPr>
+              <a:cxnSpLocks/>
+            </p:cNvCxnSpPr>
+            <p:nvPr/>
+          </p:nvCxnSpPr>
+          <p:spPr>
+            <a:xfrm flipV="1">
+              <a:off x="6884194" y="2886338"/>
+              <a:ext cx="264848" cy="224903"/>
+            </a:xfrm>
+            <a:prstGeom prst="line">
+              <a:avLst/>
+            </a:prstGeom>
+            <a:ln w="38100">
+              <a:solidFill>
+                <a:srgbClr val="FF0000"/>
+              </a:solidFill>
+              <a:prstDash val="sysDash"/>
+            </a:ln>
+          </p:spPr>
+          <p:style>
+            <a:lnRef idx="1">
+              <a:schemeClr val="accent1"/>
+            </a:lnRef>
+            <a:fillRef idx="0">
+              <a:schemeClr val="accent1"/>
+            </a:fillRef>
+            <a:effectRef idx="0">
+              <a:schemeClr val="accent1"/>
+            </a:effectRef>
+            <a:fontRef idx="minor">
+              <a:schemeClr val="tx1"/>
+            </a:fontRef>
+          </p:style>
+        </p:cxnSp>
+        <p:cxnSp>
+          <p:nvCxnSpPr>
+            <p:cNvPr id="47" name="直線接點 46">
+              <a:extLst>
+                <a:ext uri="{FF2B5EF4-FFF2-40B4-BE49-F238E27FC236}">
+                  <a16:creationId xmlns:a16="http://schemas.microsoft.com/office/drawing/2014/main" id="{43BEFC3B-93EF-4F73-AA6A-22B806AD5541}"/>
+                </a:ext>
+              </a:extLst>
+            </p:cNvPr>
+            <p:cNvCxnSpPr>
+              <a:cxnSpLocks/>
+            </p:cNvCxnSpPr>
+            <p:nvPr/>
+          </p:nvCxnSpPr>
+          <p:spPr>
+            <a:xfrm flipH="1">
+              <a:off x="7397342" y="1845731"/>
+              <a:ext cx="2396739" cy="0"/>
+            </a:xfrm>
+            <a:prstGeom prst="line">
+              <a:avLst/>
+            </a:prstGeom>
+            <a:ln w="38100">
+              <a:solidFill>
+                <a:srgbClr val="FF0000"/>
+              </a:solidFill>
+              <a:prstDash val="sysDash"/>
+            </a:ln>
+          </p:spPr>
+          <p:style>
+            <a:lnRef idx="1">
+              <a:schemeClr val="accent1"/>
+            </a:lnRef>
+            <a:fillRef idx="0">
+              <a:schemeClr val="accent1"/>
+            </a:fillRef>
+            <a:effectRef idx="0">
+              <a:schemeClr val="accent1"/>
+            </a:effectRef>
+            <a:fontRef idx="minor">
+              <a:schemeClr val="tx1"/>
+            </a:fontRef>
+          </p:style>
+        </p:cxnSp>
+        <p:sp>
+          <p:nvSpPr>
+            <p:cNvPr id="48" name="橢圓 47">
+              <a:extLst>
+                <a:ext uri="{FF2B5EF4-FFF2-40B4-BE49-F238E27FC236}">
+                  <a16:creationId xmlns:a16="http://schemas.microsoft.com/office/drawing/2014/main" id="{8C987024-8B98-4AE0-A20C-667864AFFBCA}"/>
+                </a:ext>
+              </a:extLst>
+            </p:cNvPr>
+            <p:cNvSpPr/>
+            <p:nvPr/>
+          </p:nvSpPr>
+          <p:spPr>
+            <a:xfrm>
+              <a:off x="5992812" y="2924442"/>
+              <a:ext cx="127000" cy="127000"/>
+            </a:xfrm>
+            <a:prstGeom prst="ellipse">
+              <a:avLst/>
+            </a:prstGeom>
+            <a:solidFill>
+              <a:srgbClr val="FF0000"/>
+            </a:solidFill>
+            <a:ln>
+              <a:noFill/>
+            </a:ln>
+          </p:spPr>
+          <p:style>
+            <a:lnRef idx="2">
+              <a:schemeClr val="accent1">
+                <a:shade val="50000"/>
+              </a:schemeClr>
+            </a:lnRef>
+            <a:fillRef idx="1">
+              <a:schemeClr val="accent1"/>
+            </a:fillRef>
+            <a:effectRef idx="0">
+              <a:schemeClr val="accent1"/>
+            </a:effectRef>
+            <a:fontRef idx="minor">
+              <a:schemeClr val="lt1"/>
+            </a:fontRef>
+          </p:style>
+          <p:txBody>
+            <a:bodyPr rtlCol="0" anchor="ctr"/>
+            <a:lstStyle/>
+            <a:p>
+              <a:pPr algn="ctr"/>
+              <a:endParaRPr lang="zh-TW" altLang="en-US"/>
+            </a:p>
+          </p:txBody>
+        </p:sp>
+        <p:cxnSp>
+          <p:nvCxnSpPr>
+            <p:cNvPr id="49" name="直線接點 48">
+              <a:extLst>
+                <a:ext uri="{FF2B5EF4-FFF2-40B4-BE49-F238E27FC236}">
+                  <a16:creationId xmlns:a16="http://schemas.microsoft.com/office/drawing/2014/main" id="{CAE7F964-D7E1-4335-B574-CC6A8C33683B}"/>
+                </a:ext>
+              </a:extLst>
+            </p:cNvPr>
+            <p:cNvCxnSpPr>
+              <a:cxnSpLocks/>
+            </p:cNvCxnSpPr>
+            <p:nvPr/>
+          </p:nvCxnSpPr>
+          <p:spPr>
+            <a:xfrm flipV="1">
+              <a:off x="6056312" y="1839513"/>
+              <a:ext cx="1359569" cy="1154518"/>
+            </a:xfrm>
+            <a:prstGeom prst="line">
+              <a:avLst/>
+            </a:prstGeom>
+            <a:ln w="38100">
+              <a:solidFill>
+                <a:srgbClr val="FF0000"/>
+              </a:solidFill>
+              <a:prstDash val="sysDash"/>
+            </a:ln>
+          </p:spPr>
+          <p:style>
+            <a:lnRef idx="1">
+              <a:schemeClr val="accent1"/>
+            </a:lnRef>
+            <a:fillRef idx="0">
+              <a:schemeClr val="accent1"/>
+            </a:fillRef>
+            <a:effectRef idx="0">
+              <a:schemeClr val="accent1"/>
+            </a:effectRef>
+            <a:fontRef idx="minor">
+              <a:schemeClr val="tx1"/>
+            </a:fontRef>
+          </p:style>
+        </p:cxnSp>
+        <p:cxnSp>
+          <p:nvCxnSpPr>
+            <p:cNvPr id="51" name="直線接點 50">
+              <a:extLst>
+                <a:ext uri="{FF2B5EF4-FFF2-40B4-BE49-F238E27FC236}">
+                  <a16:creationId xmlns:a16="http://schemas.microsoft.com/office/drawing/2014/main" id="{5AF1920F-AC72-4134-98AD-CA08A58F3FB7}"/>
+                </a:ext>
+              </a:extLst>
+            </p:cNvPr>
+            <p:cNvCxnSpPr>
+              <a:cxnSpLocks/>
+            </p:cNvCxnSpPr>
+            <p:nvPr/>
+          </p:nvCxnSpPr>
+          <p:spPr>
+            <a:xfrm flipH="1" flipV="1">
+              <a:off x="7397343" y="4434945"/>
+              <a:ext cx="322257" cy="476256"/>
+            </a:xfrm>
+            <a:prstGeom prst="line">
+              <a:avLst/>
+            </a:prstGeom>
+            <a:ln w="38100">
+              <a:solidFill>
+                <a:srgbClr val="FF0000"/>
+              </a:solidFill>
+              <a:prstDash val="sysDash"/>
+            </a:ln>
+          </p:spPr>
+          <p:style>
+            <a:lnRef idx="1">
+              <a:schemeClr val="accent1"/>
+            </a:lnRef>
+            <a:fillRef idx="0">
+              <a:schemeClr val="accent1"/>
+            </a:fillRef>
+            <a:effectRef idx="0">
+              <a:schemeClr val="accent1"/>
+            </a:effectRef>
+            <a:fontRef idx="minor">
+              <a:schemeClr val="tx1"/>
+            </a:fontRef>
+          </p:style>
+        </p:cxnSp>
+        <p:sp>
+          <p:nvSpPr>
+            <p:cNvPr id="58" name="矩形 57">
+              <a:extLst>
+                <a:ext uri="{FF2B5EF4-FFF2-40B4-BE49-F238E27FC236}">
+                  <a16:creationId xmlns:a16="http://schemas.microsoft.com/office/drawing/2014/main" id="{0F6078B8-BE4F-40CF-8D64-C258386EB0AA}"/>
+                </a:ext>
+              </a:extLst>
+            </p:cNvPr>
+            <p:cNvSpPr/>
+            <p:nvPr/>
+          </p:nvSpPr>
+          <p:spPr>
+            <a:xfrm>
+              <a:off x="62442" y="2144530"/>
+              <a:ext cx="2997463" cy="454213"/>
+            </a:xfrm>
+            <a:prstGeom prst="rect">
+              <a:avLst/>
+            </a:prstGeom>
+            <a:solidFill>
+              <a:schemeClr val="bg1"/>
+            </a:solidFill>
+            <a:ln w="38100">
+              <a:solidFill>
+                <a:srgbClr val="456185"/>
+              </a:solidFill>
+            </a:ln>
+          </p:spPr>
+          <p:style>
+            <a:lnRef idx="2">
+              <a:schemeClr val="accent1">
+                <a:shade val="50000"/>
+              </a:schemeClr>
+            </a:lnRef>
+            <a:fillRef idx="1">
+              <a:schemeClr val="accent1"/>
+            </a:fillRef>
+            <a:effectRef idx="0">
+              <a:schemeClr val="accent1"/>
+            </a:effectRef>
+            <a:fontRef idx="minor">
+              <a:schemeClr val="lt1"/>
+            </a:fontRef>
+          </p:style>
+          <p:txBody>
+            <a:bodyPr rtlCol="0" anchor="ctr"/>
+            <a:lstStyle/>
+            <a:p>
+              <a:pPr algn="ctr"/>
+              <a:r>
+                <a:rPr lang="zh-TW" altLang="en-US" sz="1600" dirty="0">
+                  <a:solidFill>
+                    <a:sysClr val="windowText" lastClr="000000"/>
+                  </a:solidFill>
+                </a:rPr>
+                <a:t>室內噴塗廠</a:t>
+              </a:r>
+              <a:endParaRPr lang="en-US" altLang="zh-TW" sz="1600" dirty="0">
+                <a:solidFill>
+                  <a:sysClr val="windowText" lastClr="000000"/>
+                </a:solidFill>
+              </a:endParaRPr>
+            </a:p>
+          </p:txBody>
+        </p:sp>
+        <p:sp>
+          <p:nvSpPr>
+            <p:cNvPr id="59" name="矩形 58">
+              <a:extLst>
+                <a:ext uri="{FF2B5EF4-FFF2-40B4-BE49-F238E27FC236}">
+                  <a16:creationId xmlns:a16="http://schemas.microsoft.com/office/drawing/2014/main" id="{646D7600-EC62-41E7-9B8E-972A8DA46794}"/>
+                </a:ext>
+              </a:extLst>
+            </p:cNvPr>
+            <p:cNvSpPr/>
+            <p:nvPr/>
+          </p:nvSpPr>
+          <p:spPr>
+            <a:xfrm>
+              <a:off x="62442" y="3738127"/>
+              <a:ext cx="2997463" cy="454213"/>
+            </a:xfrm>
+            <a:prstGeom prst="rect">
+              <a:avLst/>
+            </a:prstGeom>
+            <a:solidFill>
+              <a:schemeClr val="bg1"/>
+            </a:solidFill>
+            <a:ln w="38100">
+              <a:solidFill>
+                <a:srgbClr val="456185"/>
+              </a:solidFill>
+            </a:ln>
+          </p:spPr>
+          <p:style>
+            <a:lnRef idx="2">
+              <a:schemeClr val="accent1">
+                <a:shade val="50000"/>
+              </a:schemeClr>
+            </a:lnRef>
+            <a:fillRef idx="1">
+              <a:schemeClr val="accent1"/>
+            </a:fillRef>
+            <a:effectRef idx="0">
+              <a:schemeClr val="accent1"/>
+            </a:effectRef>
+            <a:fontRef idx="minor">
+              <a:schemeClr val="lt1"/>
+            </a:fontRef>
+          </p:style>
+          <p:txBody>
+            <a:bodyPr rtlCol="0" anchor="ctr"/>
+            <a:lstStyle/>
+            <a:p>
+              <a:pPr algn="ctr"/>
+              <a:r>
+                <a:rPr lang="zh-TW" altLang="en-US" sz="1400" dirty="0">
+                  <a:solidFill>
+                    <a:sysClr val="windowText" lastClr="000000"/>
+                  </a:solidFill>
+                </a:rPr>
+                <a:t>室內組裝廠</a:t>
+              </a:r>
+              <a:endParaRPr lang="en-US" altLang="zh-TW" sz="1400" dirty="0">
+                <a:solidFill>
+                  <a:sysClr val="windowText" lastClr="000000"/>
+                </a:solidFill>
+              </a:endParaRPr>
+            </a:p>
+          </p:txBody>
+        </p:sp>
+        <p:sp>
+          <p:nvSpPr>
+            <p:cNvPr id="60" name="矩形 59">
+              <a:extLst>
+                <a:ext uri="{FF2B5EF4-FFF2-40B4-BE49-F238E27FC236}">
+                  <a16:creationId xmlns:a16="http://schemas.microsoft.com/office/drawing/2014/main" id="{4512B527-8DB6-49B5-BA56-50FB0AE978B4}"/>
+                </a:ext>
+              </a:extLst>
+            </p:cNvPr>
+            <p:cNvSpPr/>
+            <p:nvPr/>
+          </p:nvSpPr>
+          <p:spPr>
+            <a:xfrm>
+              <a:off x="62442" y="4378760"/>
+              <a:ext cx="2997463" cy="454213"/>
+            </a:xfrm>
+            <a:prstGeom prst="rect">
+              <a:avLst/>
+            </a:prstGeom>
+            <a:solidFill>
+              <a:schemeClr val="bg1"/>
+            </a:solidFill>
+            <a:ln w="38100">
+              <a:solidFill>
+                <a:srgbClr val="456185"/>
+              </a:solidFill>
+            </a:ln>
+          </p:spPr>
+          <p:style>
+            <a:lnRef idx="2">
+              <a:schemeClr val="accent1">
+                <a:shade val="50000"/>
+              </a:schemeClr>
+            </a:lnRef>
+            <a:fillRef idx="1">
+              <a:schemeClr val="accent1"/>
+            </a:fillRef>
+            <a:effectRef idx="0">
+              <a:schemeClr val="accent1"/>
+            </a:effectRef>
+            <a:fontRef idx="minor">
+              <a:schemeClr val="lt1"/>
+            </a:fontRef>
+          </p:style>
+          <p:txBody>
+            <a:bodyPr rtlCol="0" anchor="ctr"/>
+            <a:lstStyle/>
+            <a:p>
+              <a:pPr algn="ctr"/>
+              <a:r>
+                <a:rPr lang="zh-TW" altLang="en-US" sz="1400" dirty="0">
+                  <a:solidFill>
+                    <a:sysClr val="windowText" lastClr="000000"/>
+                  </a:solidFill>
+                </a:rPr>
+                <a:t>室外組裝廠</a:t>
+              </a:r>
+              <a:endParaRPr lang="en-US" altLang="zh-TW" sz="1400" dirty="0">
+                <a:solidFill>
+                  <a:sysClr val="windowText" lastClr="000000"/>
+                </a:solidFill>
+              </a:endParaRPr>
+            </a:p>
+          </p:txBody>
+        </p:sp>
+        <p:sp>
+          <p:nvSpPr>
+            <p:cNvPr id="61" name="矩形 60">
+              <a:extLst>
+                <a:ext uri="{FF2B5EF4-FFF2-40B4-BE49-F238E27FC236}">
+                  <a16:creationId xmlns:a16="http://schemas.microsoft.com/office/drawing/2014/main" id="{D846BB40-BB32-471D-93CA-CA589458822A}"/>
+                </a:ext>
+              </a:extLst>
+            </p:cNvPr>
+            <p:cNvSpPr/>
+            <p:nvPr/>
+          </p:nvSpPr>
+          <p:spPr>
+            <a:xfrm>
+              <a:off x="9132095" y="1613903"/>
+              <a:ext cx="2169319" cy="451220"/>
+            </a:xfrm>
+            <a:prstGeom prst="rect">
+              <a:avLst/>
+            </a:prstGeom>
+            <a:solidFill>
+              <a:schemeClr val="bg1"/>
+            </a:solidFill>
+            <a:ln w="38100">
+              <a:solidFill>
+                <a:srgbClr val="456185"/>
+              </a:solidFill>
+            </a:ln>
+          </p:spPr>
+          <p:style>
+            <a:lnRef idx="2">
+              <a:schemeClr val="accent1">
+                <a:shade val="50000"/>
+              </a:schemeClr>
+            </a:lnRef>
+            <a:fillRef idx="1">
+              <a:schemeClr val="accent1"/>
+            </a:fillRef>
+            <a:effectRef idx="0">
+              <a:schemeClr val="accent1"/>
+            </a:effectRef>
+            <a:fontRef idx="minor">
+              <a:schemeClr val="lt1"/>
+            </a:fontRef>
+          </p:style>
+          <p:txBody>
+            <a:bodyPr rtlCol="0" anchor="ctr"/>
+            <a:lstStyle/>
+            <a:p>
+              <a:pPr algn="ctr"/>
+              <a:r>
+                <a:rPr lang="zh-TW" altLang="en-US" sz="1400" dirty="0">
+                  <a:solidFill>
+                    <a:sysClr val="windowText" lastClr="000000"/>
+                  </a:solidFill>
+                </a:rPr>
+                <a:t>成品儲放區</a:t>
+              </a:r>
+              <a:endParaRPr lang="en-US" altLang="zh-TW" sz="1400" dirty="0">
+                <a:solidFill>
+                  <a:sysClr val="windowText" lastClr="000000"/>
+                </a:solidFill>
+              </a:endParaRPr>
+            </a:p>
+          </p:txBody>
+        </p:sp>
+        <p:sp>
+          <p:nvSpPr>
+            <p:cNvPr id="65" name="矩形 64">
+              <a:extLst>
+                <a:ext uri="{FF2B5EF4-FFF2-40B4-BE49-F238E27FC236}">
+                  <a16:creationId xmlns:a16="http://schemas.microsoft.com/office/drawing/2014/main" id="{C5DA69F6-EF84-47B1-87D0-0229D9558D64}"/>
+                </a:ext>
+              </a:extLst>
+            </p:cNvPr>
+            <p:cNvSpPr/>
+            <p:nvPr/>
+          </p:nvSpPr>
+          <p:spPr>
+            <a:xfrm>
+              <a:off x="9117805" y="2669867"/>
+              <a:ext cx="2169319" cy="451220"/>
+            </a:xfrm>
+            <a:prstGeom prst="rect">
+              <a:avLst/>
+            </a:prstGeom>
+            <a:solidFill>
+              <a:schemeClr val="bg1"/>
+            </a:solidFill>
+            <a:ln w="38100">
+              <a:solidFill>
+                <a:srgbClr val="456185"/>
+              </a:solidFill>
+            </a:ln>
+          </p:spPr>
+          <p:style>
+            <a:lnRef idx="2">
+              <a:schemeClr val="accent1">
+                <a:shade val="50000"/>
+              </a:schemeClr>
+            </a:lnRef>
+            <a:fillRef idx="1">
+              <a:schemeClr val="accent1"/>
+            </a:fillRef>
+            <a:effectRef idx="0">
+              <a:schemeClr val="accent1"/>
+            </a:effectRef>
+            <a:fontRef idx="minor">
+              <a:schemeClr val="lt1"/>
+            </a:fontRef>
+          </p:style>
+          <p:txBody>
+            <a:bodyPr rtlCol="0" anchor="ctr"/>
+            <a:lstStyle/>
+            <a:p>
+              <a:pPr algn="ctr"/>
+              <a:r>
+                <a:rPr lang="zh-TW" altLang="en-US" sz="1400" dirty="0">
+                  <a:solidFill>
+                    <a:sysClr val="windowText" lastClr="000000"/>
+                  </a:solidFill>
+                </a:rPr>
+                <a:t>重件碼頭</a:t>
+              </a:r>
+              <a:endParaRPr lang="en-US" altLang="zh-TW" sz="1400" dirty="0">
+                <a:solidFill>
+                  <a:sysClr val="windowText" lastClr="000000"/>
+                </a:solidFill>
+              </a:endParaRPr>
+            </a:p>
+          </p:txBody>
+        </p:sp>
+        <p:sp>
+          <p:nvSpPr>
+            <p:cNvPr id="66" name="矩形 65">
+              <a:extLst>
+                <a:ext uri="{FF2B5EF4-FFF2-40B4-BE49-F238E27FC236}">
+                  <a16:creationId xmlns:a16="http://schemas.microsoft.com/office/drawing/2014/main" id="{3DDD47F7-55AF-4BA6-BC84-82B754A4D12C}"/>
+                </a:ext>
+              </a:extLst>
+            </p:cNvPr>
+            <p:cNvSpPr/>
+            <p:nvPr/>
+          </p:nvSpPr>
+          <p:spPr>
+            <a:xfrm>
+              <a:off x="9132095" y="3338265"/>
+              <a:ext cx="2169319" cy="439863"/>
+            </a:xfrm>
+            <a:prstGeom prst="rect">
+              <a:avLst/>
+            </a:prstGeom>
+            <a:solidFill>
+              <a:schemeClr val="bg1"/>
+            </a:solidFill>
+            <a:ln w="38100">
+              <a:solidFill>
+                <a:srgbClr val="456185"/>
+              </a:solidFill>
+            </a:ln>
+          </p:spPr>
+          <p:style>
+            <a:lnRef idx="2">
+              <a:schemeClr val="accent1">
+                <a:shade val="50000"/>
+              </a:schemeClr>
+            </a:lnRef>
+            <a:fillRef idx="1">
+              <a:schemeClr val="accent1"/>
+            </a:fillRef>
+            <a:effectRef idx="0">
+              <a:schemeClr val="accent1"/>
+            </a:effectRef>
+            <a:fontRef idx="minor">
+              <a:schemeClr val="lt1"/>
+            </a:fontRef>
+          </p:style>
+          <p:txBody>
+            <a:bodyPr rtlCol="0" anchor="ctr"/>
+            <a:lstStyle/>
+            <a:p>
+              <a:pPr algn="ctr"/>
+              <a:r>
+                <a:rPr lang="zh-TW" altLang="en-US" sz="1400" dirty="0">
+                  <a:solidFill>
+                    <a:sysClr val="windowText" lastClr="000000"/>
+                  </a:solidFill>
+                </a:rPr>
+                <a:t>物料儲放區</a:t>
+              </a:r>
+              <a:endParaRPr lang="en-US" altLang="zh-TW" sz="1400" dirty="0">
+                <a:solidFill>
+                  <a:sysClr val="windowText" lastClr="000000"/>
+                </a:solidFill>
+              </a:endParaRPr>
+            </a:p>
+          </p:txBody>
+        </p:sp>
+        <p:cxnSp>
+          <p:nvCxnSpPr>
+            <p:cNvPr id="67" name="直線接點 66">
+              <a:extLst>
+                <a:ext uri="{FF2B5EF4-FFF2-40B4-BE49-F238E27FC236}">
+                  <a16:creationId xmlns:a16="http://schemas.microsoft.com/office/drawing/2014/main" id="{7A123783-AE2D-470D-93B6-521036A99DDD}"/>
+                </a:ext>
+              </a:extLst>
+            </p:cNvPr>
+            <p:cNvCxnSpPr>
+              <a:cxnSpLocks/>
+            </p:cNvCxnSpPr>
+            <p:nvPr/>
+          </p:nvCxnSpPr>
+          <p:spPr>
+            <a:xfrm flipH="1" flipV="1">
+              <a:off x="6602097" y="3790161"/>
+              <a:ext cx="303528" cy="448577"/>
+            </a:xfrm>
+            <a:prstGeom prst="line">
+              <a:avLst/>
+            </a:prstGeom>
+            <a:ln w="38100">
+              <a:solidFill>
+                <a:srgbClr val="FF0000"/>
+              </a:solidFill>
+              <a:prstDash val="sysDash"/>
+            </a:ln>
+          </p:spPr>
+          <p:style>
+            <a:lnRef idx="1">
+              <a:schemeClr val="accent1"/>
+            </a:lnRef>
+            <a:fillRef idx="0">
+              <a:schemeClr val="accent1"/>
+            </a:fillRef>
+            <a:effectRef idx="0">
+              <a:schemeClr val="accent1"/>
+            </a:effectRef>
+            <a:fontRef idx="minor">
+              <a:schemeClr val="tx1"/>
+            </a:fontRef>
+          </p:style>
+        </p:cxnSp>
+        <p:sp>
+          <p:nvSpPr>
+            <p:cNvPr id="76" name="矩形 75">
+              <a:extLst>
+                <a:ext uri="{FF2B5EF4-FFF2-40B4-BE49-F238E27FC236}">
+                  <a16:creationId xmlns:a16="http://schemas.microsoft.com/office/drawing/2014/main" id="{CEA083DF-1F06-4C3E-82F3-20598543496C}"/>
+                </a:ext>
+              </a:extLst>
+            </p:cNvPr>
+            <p:cNvSpPr/>
+            <p:nvPr/>
+          </p:nvSpPr>
+          <p:spPr>
+            <a:xfrm>
+              <a:off x="9117805" y="3973627"/>
+              <a:ext cx="2169319" cy="437425"/>
+            </a:xfrm>
+            <a:prstGeom prst="rect">
+              <a:avLst/>
+            </a:prstGeom>
+            <a:solidFill>
+              <a:schemeClr val="bg1"/>
+            </a:solidFill>
+            <a:ln w="38100">
+              <a:solidFill>
+                <a:srgbClr val="456185"/>
+              </a:solidFill>
+            </a:ln>
+          </p:spPr>
+          <p:style>
+            <a:lnRef idx="2">
+              <a:schemeClr val="accent1">
+                <a:shade val="50000"/>
+              </a:schemeClr>
+            </a:lnRef>
+            <a:fillRef idx="1">
+              <a:schemeClr val="accent1"/>
+            </a:fillRef>
+            <a:effectRef idx="0">
+              <a:schemeClr val="accent1"/>
+            </a:effectRef>
+            <a:fontRef idx="minor">
+              <a:schemeClr val="lt1"/>
+            </a:fontRef>
+          </p:style>
+          <p:txBody>
+            <a:bodyPr rtlCol="0" anchor="ctr"/>
+            <a:lstStyle/>
+            <a:p>
+              <a:pPr algn="ctr"/>
+              <a:r>
+                <a:rPr lang="zh-TW" altLang="en-US" sz="1400" dirty="0">
+                  <a:solidFill>
+                    <a:sysClr val="windowText" lastClr="000000"/>
+                  </a:solidFill>
+                </a:rPr>
+                <a:t>室外組裝廠</a:t>
+              </a:r>
+              <a:endParaRPr lang="en-US" altLang="zh-TW" sz="1400" dirty="0">
+                <a:solidFill>
+                  <a:sysClr val="windowText" lastClr="000000"/>
+                </a:solidFill>
+              </a:endParaRPr>
+            </a:p>
+          </p:txBody>
+        </p:sp>
+        <p:sp>
+          <p:nvSpPr>
+            <p:cNvPr id="77" name="矩形 76">
+              <a:extLst>
+                <a:ext uri="{FF2B5EF4-FFF2-40B4-BE49-F238E27FC236}">
+                  <a16:creationId xmlns:a16="http://schemas.microsoft.com/office/drawing/2014/main" id="{9473FF4F-DF5A-483E-B9D2-05BDB625D7DA}"/>
+                </a:ext>
+              </a:extLst>
+            </p:cNvPr>
+            <p:cNvSpPr/>
+            <p:nvPr/>
+          </p:nvSpPr>
+          <p:spPr>
+            <a:xfrm>
+              <a:off x="9117804" y="4687726"/>
+              <a:ext cx="2169319" cy="437425"/>
+            </a:xfrm>
+            <a:prstGeom prst="rect">
+              <a:avLst/>
+            </a:prstGeom>
+            <a:solidFill>
+              <a:schemeClr val="bg1"/>
+            </a:solidFill>
+            <a:ln w="38100">
+              <a:solidFill>
+                <a:srgbClr val="456185"/>
+              </a:solidFill>
+            </a:ln>
+          </p:spPr>
+          <p:style>
+            <a:lnRef idx="2">
+              <a:schemeClr val="accent1">
+                <a:shade val="50000"/>
+              </a:schemeClr>
+            </a:lnRef>
+            <a:fillRef idx="1">
+              <a:schemeClr val="accent1"/>
+            </a:fillRef>
+            <a:effectRef idx="0">
+              <a:schemeClr val="accent1"/>
+            </a:effectRef>
+            <a:fontRef idx="minor">
+              <a:schemeClr val="lt1"/>
+            </a:fontRef>
+          </p:style>
+          <p:txBody>
+            <a:bodyPr rtlCol="0" anchor="ctr"/>
+            <a:lstStyle/>
+            <a:p>
+              <a:pPr algn="ctr"/>
+              <a:r>
+                <a:rPr lang="zh-TW" altLang="en-US" sz="1400" dirty="0">
+                  <a:solidFill>
+                    <a:sysClr val="windowText" lastClr="000000"/>
+                  </a:solidFill>
+                </a:rPr>
+                <a:t>行政大樓</a:t>
+              </a:r>
+              <a:endParaRPr lang="en-US" altLang="zh-TW" dirty="0">
+                <a:solidFill>
+                  <a:sysClr val="windowText" lastClr="000000"/>
+                </a:solidFill>
+              </a:endParaRPr>
+            </a:p>
+          </p:txBody>
+        </p:sp>
+      </p:grpSp>
+      <p:sp>
+        <p:nvSpPr>
+          <p:cNvPr id="2" name="文字方塊 1">
+            <a:extLst>
+              <a:ext uri="{FF2B5EF4-FFF2-40B4-BE49-F238E27FC236}">
+                <a16:creationId xmlns:a16="http://schemas.microsoft.com/office/drawing/2014/main" id="{828028E2-2CFC-4787-AB06-D87508DD545D}"/>
+              </a:ext>
+            </a:extLst>
+          </p:cNvPr>
+          <p:cNvSpPr txBox="1"/>
+          <p:nvPr/>
+        </p:nvSpPr>
+        <p:spPr>
+          <a:xfrm>
+            <a:off x="197224" y="421341"/>
+            <a:ext cx="1580882" cy="369332"/>
+          </a:xfrm>
+          <a:prstGeom prst="rect">
+            <a:avLst/>
+          </a:prstGeom>
+          <a:noFill/>
+        </p:spPr>
+        <p:txBody>
+          <a:bodyPr wrap="none" rtlCol="0">
+            <a:spAutoFit/>
+          </a:bodyPr>
+          <a:lstStyle/>
+          <a:p>
+            <a:r>
+              <a:rPr lang="en-US" altLang="zh-TW" dirty="0"/>
+              <a:t>114.07.02</a:t>
+            </a:r>
+            <a:r>
+              <a:rPr lang="zh-TW" altLang="en-US" dirty="0"/>
+              <a:t>更新</a:t>
+            </a:r>
+          </a:p>
+        </p:txBody>
+      </p:sp>
+    </p:spTree>
+    <p:extLst>
+      <p:ext uri="{BB962C8B-B14F-4D97-AF65-F5344CB8AC3E}">
+        <p14:creationId xmlns:p14="http://schemas.microsoft.com/office/powerpoint/2010/main" val="1834367651"/>
+      </p:ext>
+    </p:extLst>
+  </p:cSld>
+  <p:clrMapOvr>
+    <a:masterClrMapping/>
+  </p:clrMapOvr>
+</p:sld>
+</file>
+
 <file path=ppt/theme/theme1.xml><?xml version="1.0" encoding="utf-8"?>
 <a:theme xmlns:a="http://schemas.openxmlformats.org/drawingml/2006/main" name="Office 佈景主題">
   <a:themeElements>

--- a/sdms/images/productionCapacity/imgorigin.pptx
+++ b/sdms/images/productionCapacity/imgorigin.pptx
@@ -8,6 +8,7 @@
     <p:sldId id="256" r:id="rId2"/>
     <p:sldId id="257" r:id="rId3"/>
     <p:sldId id="258" r:id="rId4"/>
+    <p:sldId id="259" r:id="rId5"/>
   </p:sldIdLst>
   <p:sldSz cx="12192000" cy="6858000"/>
   <p:notesSz cx="6858000" cy="9144000"/>
@@ -261,7 +262,7 @@
           <a:p>
             <a:fld id="{6225CF1D-AA38-402F-8B1B-9F32CAAFFAE2}" type="datetimeFigureOut">
               <a:rPr lang="zh-TW" altLang="en-US" smtClean="0"/>
-              <a:t>2025/7/2</a:t>
+              <a:t>2025/7/14</a:t>
             </a:fld>
             <a:endParaRPr lang="zh-TW" altLang="en-US"/>
           </a:p>
@@ -459,7 +460,7 @@
           <a:p>
             <a:fld id="{6225CF1D-AA38-402F-8B1B-9F32CAAFFAE2}" type="datetimeFigureOut">
               <a:rPr lang="zh-TW" altLang="en-US" smtClean="0"/>
-              <a:t>2025/7/2</a:t>
+              <a:t>2025/7/14</a:t>
             </a:fld>
             <a:endParaRPr lang="zh-TW" altLang="en-US"/>
           </a:p>
@@ -667,7 +668,7 @@
           <a:p>
             <a:fld id="{6225CF1D-AA38-402F-8B1B-9F32CAAFFAE2}" type="datetimeFigureOut">
               <a:rPr lang="zh-TW" altLang="en-US" smtClean="0"/>
-              <a:t>2025/7/2</a:t>
+              <a:t>2025/7/14</a:t>
             </a:fld>
             <a:endParaRPr lang="zh-TW" altLang="en-US"/>
           </a:p>
@@ -865,7 +866,7 @@
           <a:p>
             <a:fld id="{6225CF1D-AA38-402F-8B1B-9F32CAAFFAE2}" type="datetimeFigureOut">
               <a:rPr lang="zh-TW" altLang="en-US" smtClean="0"/>
-              <a:t>2025/7/2</a:t>
+              <a:t>2025/7/14</a:t>
             </a:fld>
             <a:endParaRPr lang="zh-TW" altLang="en-US"/>
           </a:p>
@@ -1140,7 +1141,7 @@
           <a:p>
             <a:fld id="{6225CF1D-AA38-402F-8B1B-9F32CAAFFAE2}" type="datetimeFigureOut">
               <a:rPr lang="zh-TW" altLang="en-US" smtClean="0"/>
-              <a:t>2025/7/2</a:t>
+              <a:t>2025/7/14</a:t>
             </a:fld>
             <a:endParaRPr lang="zh-TW" altLang="en-US"/>
           </a:p>
@@ -1405,7 +1406,7 @@
           <a:p>
             <a:fld id="{6225CF1D-AA38-402F-8B1B-9F32CAAFFAE2}" type="datetimeFigureOut">
               <a:rPr lang="zh-TW" altLang="en-US" smtClean="0"/>
-              <a:t>2025/7/2</a:t>
+              <a:t>2025/7/14</a:t>
             </a:fld>
             <a:endParaRPr lang="zh-TW" altLang="en-US"/>
           </a:p>
@@ -1817,7 +1818,7 @@
           <a:p>
             <a:fld id="{6225CF1D-AA38-402F-8B1B-9F32CAAFFAE2}" type="datetimeFigureOut">
               <a:rPr lang="zh-TW" altLang="en-US" smtClean="0"/>
-              <a:t>2025/7/2</a:t>
+              <a:t>2025/7/14</a:t>
             </a:fld>
             <a:endParaRPr lang="zh-TW" altLang="en-US"/>
           </a:p>
@@ -1958,7 +1959,7 @@
           <a:p>
             <a:fld id="{6225CF1D-AA38-402F-8B1B-9F32CAAFFAE2}" type="datetimeFigureOut">
               <a:rPr lang="zh-TW" altLang="en-US" smtClean="0"/>
-              <a:t>2025/7/2</a:t>
+              <a:t>2025/7/14</a:t>
             </a:fld>
             <a:endParaRPr lang="zh-TW" altLang="en-US"/>
           </a:p>
@@ -2071,7 +2072,7 @@
           <a:p>
             <a:fld id="{6225CF1D-AA38-402F-8B1B-9F32CAAFFAE2}" type="datetimeFigureOut">
               <a:rPr lang="zh-TW" altLang="en-US" smtClean="0"/>
-              <a:t>2025/7/2</a:t>
+              <a:t>2025/7/14</a:t>
             </a:fld>
             <a:endParaRPr lang="zh-TW" altLang="en-US"/>
           </a:p>
@@ -2382,7 +2383,7 @@
           <a:p>
             <a:fld id="{6225CF1D-AA38-402F-8B1B-9F32CAAFFAE2}" type="datetimeFigureOut">
               <a:rPr lang="zh-TW" altLang="en-US" smtClean="0"/>
-              <a:t>2025/7/2</a:t>
+              <a:t>2025/7/14</a:t>
             </a:fld>
             <a:endParaRPr lang="zh-TW" altLang="en-US"/>
           </a:p>
@@ -2670,7 +2671,7 @@
           <a:p>
             <a:fld id="{6225CF1D-AA38-402F-8B1B-9F32CAAFFAE2}" type="datetimeFigureOut">
               <a:rPr lang="zh-TW" altLang="en-US" smtClean="0"/>
-              <a:t>2025/7/2</a:t>
+              <a:t>2025/7/14</a:t>
             </a:fld>
             <a:endParaRPr lang="zh-TW" altLang="en-US"/>
           </a:p>
@@ -2911,7 +2912,7 @@
           <a:p>
             <a:fld id="{6225CF1D-AA38-402F-8B1B-9F32CAAFFAE2}" type="datetimeFigureOut">
               <a:rPr lang="zh-TW" altLang="en-US" smtClean="0"/>
-              <a:t>2025/7/2</a:t>
+              <a:t>2025/7/14</a:t>
             </a:fld>
             <a:endParaRPr lang="zh-TW" altLang="en-US"/>
           </a:p>
@@ -9021,6 +9022,1745 @@
 </p:sld>
 </file>
 
+<file path=ppt/slides/slide4.xml><?xml version="1.0" encoding="utf-8"?>
+<p:sld xmlns:a="http://schemas.openxmlformats.org/drawingml/2006/main" xmlns:r="http://schemas.openxmlformats.org/officeDocument/2006/relationships" xmlns:p="http://schemas.openxmlformats.org/presentationml/2006/main">
+  <p:cSld>
+    <p:spTree>
+      <p:nvGrpSpPr>
+        <p:cNvPr id="1" name=""/>
+        <p:cNvGrpSpPr/>
+        <p:nvPr/>
+      </p:nvGrpSpPr>
+      <p:grpSpPr>
+        <a:xfrm>
+          <a:off x="0" y="0"/>
+          <a:ext cx="0" cy="0"/>
+          <a:chOff x="0" y="0"/>
+          <a:chExt cx="0" cy="0"/>
+        </a:xfrm>
+      </p:grpSpPr>
+      <p:grpSp>
+        <p:nvGrpSpPr>
+          <p:cNvPr id="80" name="群組 79">
+            <a:extLst>
+              <a:ext uri="{FF2B5EF4-FFF2-40B4-BE49-F238E27FC236}">
+                <a16:creationId xmlns:a16="http://schemas.microsoft.com/office/drawing/2014/main" id="{E214F19B-E115-4A74-B834-9D14A7ABC7EC}"/>
+              </a:ext>
+            </a:extLst>
+          </p:cNvPr>
+          <p:cNvGrpSpPr/>
+          <p:nvPr/>
+        </p:nvGrpSpPr>
+        <p:grpSpPr>
+          <a:xfrm>
+            <a:off x="483658" y="1325033"/>
+            <a:ext cx="11238972" cy="4207933"/>
+            <a:chOff x="62442" y="1325033"/>
+            <a:chExt cx="11238972" cy="4207933"/>
+          </a:xfrm>
+        </p:grpSpPr>
+        <p:pic>
+          <p:nvPicPr>
+            <p:cNvPr id="5" name="圖片 4">
+              <a:extLst>
+                <a:ext uri="{FF2B5EF4-FFF2-40B4-BE49-F238E27FC236}">
+                  <a16:creationId xmlns:a16="http://schemas.microsoft.com/office/drawing/2014/main" id="{4C2A2F3D-0A5F-4328-9BD1-77265C684FA6}"/>
+                </a:ext>
+              </a:extLst>
+            </p:cNvPr>
+            <p:cNvPicPr>
+              <a:picLocks noChangeAspect="1"/>
+            </p:cNvPicPr>
+            <p:nvPr/>
+          </p:nvPicPr>
+          <p:blipFill rotWithShape="1">
+            <a:blip r:embed="rId2">
+              <a:extLst>
+                <a:ext uri="{28A0092B-C50C-407E-A947-70E740481C1C}">
+                  <a14:useLocalDpi xmlns:a14="http://schemas.microsoft.com/office/drawing/2010/main" val="0"/>
+                </a:ext>
+              </a:extLst>
+            </a:blip>
+            <a:srcRect r="22925"/>
+            <a:stretch/>
+          </p:blipFill>
+          <p:spPr>
+            <a:xfrm>
+              <a:off x="3213100" y="1325033"/>
+              <a:ext cx="5765800" cy="4207933"/>
+            </a:xfrm>
+            <a:prstGeom prst="rect">
+              <a:avLst/>
+            </a:prstGeom>
+          </p:spPr>
+        </p:pic>
+        <p:sp>
+          <p:nvSpPr>
+            <p:cNvPr id="9" name="橢圓 8">
+              <a:extLst>
+                <a:ext uri="{FF2B5EF4-FFF2-40B4-BE49-F238E27FC236}">
+                  <a16:creationId xmlns:a16="http://schemas.microsoft.com/office/drawing/2014/main" id="{F542D342-73F4-45D6-8005-C258C7ED0479}"/>
+                </a:ext>
+              </a:extLst>
+            </p:cNvPr>
+            <p:cNvSpPr/>
+            <p:nvPr/>
+          </p:nvSpPr>
+          <p:spPr>
+            <a:xfrm>
+              <a:off x="5092700" y="4542367"/>
+              <a:ext cx="127000" cy="127000"/>
+            </a:xfrm>
+            <a:prstGeom prst="ellipse">
+              <a:avLst/>
+            </a:prstGeom>
+            <a:solidFill>
+              <a:srgbClr val="FF0000"/>
+            </a:solidFill>
+            <a:ln>
+              <a:noFill/>
+            </a:ln>
+          </p:spPr>
+          <p:style>
+            <a:lnRef idx="2">
+              <a:schemeClr val="accent1">
+                <a:shade val="50000"/>
+              </a:schemeClr>
+            </a:lnRef>
+            <a:fillRef idx="1">
+              <a:schemeClr val="accent1"/>
+            </a:fillRef>
+            <a:effectRef idx="0">
+              <a:schemeClr val="accent1"/>
+            </a:effectRef>
+            <a:fontRef idx="minor">
+              <a:schemeClr val="lt1"/>
+            </a:fontRef>
+          </p:style>
+          <p:txBody>
+            <a:bodyPr rtlCol="0" anchor="ctr"/>
+            <a:lstStyle/>
+            <a:p>
+              <a:pPr algn="ctr"/>
+              <a:endParaRPr lang="zh-TW" altLang="en-US" sz="1600">
+                <a:latin typeface="微軟正黑體" panose="020B0604030504040204" pitchFamily="34" charset="-120"/>
+                <a:ea typeface="微軟正黑體" panose="020B0604030504040204" pitchFamily="34" charset="-120"/>
+              </a:endParaRPr>
+            </a:p>
+          </p:txBody>
+        </p:sp>
+        <p:cxnSp>
+          <p:nvCxnSpPr>
+            <p:cNvPr id="12" name="直線接點 11">
+              <a:extLst>
+                <a:ext uri="{FF2B5EF4-FFF2-40B4-BE49-F238E27FC236}">
+                  <a16:creationId xmlns:a16="http://schemas.microsoft.com/office/drawing/2014/main" id="{A1FF8DE9-1E1E-4E6B-AE30-E4ED06B740D2}"/>
+                </a:ext>
+              </a:extLst>
+            </p:cNvPr>
+            <p:cNvCxnSpPr>
+              <a:cxnSpLocks/>
+            </p:cNvCxnSpPr>
+            <p:nvPr/>
+          </p:nvCxnSpPr>
+          <p:spPr>
+            <a:xfrm flipH="1">
+              <a:off x="2670175" y="4607984"/>
+              <a:ext cx="2422525" cy="0"/>
+            </a:xfrm>
+            <a:prstGeom prst="line">
+              <a:avLst/>
+            </a:prstGeom>
+            <a:ln w="38100">
+              <a:solidFill>
+                <a:srgbClr val="FF0000"/>
+              </a:solidFill>
+              <a:prstDash val="sysDash"/>
+            </a:ln>
+          </p:spPr>
+          <p:style>
+            <a:lnRef idx="1">
+              <a:schemeClr val="accent1"/>
+            </a:lnRef>
+            <a:fillRef idx="0">
+              <a:schemeClr val="accent1"/>
+            </a:fillRef>
+            <a:effectRef idx="0">
+              <a:schemeClr val="accent1"/>
+            </a:effectRef>
+            <a:fontRef idx="minor">
+              <a:schemeClr val="tx1"/>
+            </a:fontRef>
+          </p:style>
+        </p:cxnSp>
+        <p:sp>
+          <p:nvSpPr>
+            <p:cNvPr id="13" name="橢圓 12">
+              <a:extLst>
+                <a:ext uri="{FF2B5EF4-FFF2-40B4-BE49-F238E27FC236}">
+                  <a16:creationId xmlns:a16="http://schemas.microsoft.com/office/drawing/2014/main" id="{8A7462BE-7F4C-45EE-B654-D27F3EBD182E}"/>
+                </a:ext>
+              </a:extLst>
+            </p:cNvPr>
+            <p:cNvSpPr/>
+            <p:nvPr/>
+          </p:nvSpPr>
+          <p:spPr>
+            <a:xfrm>
+              <a:off x="4233333" y="3899960"/>
+              <a:ext cx="127000" cy="127000"/>
+            </a:xfrm>
+            <a:prstGeom prst="ellipse">
+              <a:avLst/>
+            </a:prstGeom>
+            <a:solidFill>
+              <a:srgbClr val="FF0000"/>
+            </a:solidFill>
+            <a:ln>
+              <a:noFill/>
+            </a:ln>
+          </p:spPr>
+          <p:style>
+            <a:lnRef idx="2">
+              <a:schemeClr val="accent1">
+                <a:shade val="50000"/>
+              </a:schemeClr>
+            </a:lnRef>
+            <a:fillRef idx="1">
+              <a:schemeClr val="accent1"/>
+            </a:fillRef>
+            <a:effectRef idx="0">
+              <a:schemeClr val="accent1"/>
+            </a:effectRef>
+            <a:fontRef idx="minor">
+              <a:schemeClr val="lt1"/>
+            </a:fontRef>
+          </p:style>
+          <p:txBody>
+            <a:bodyPr rtlCol="0" anchor="ctr"/>
+            <a:lstStyle/>
+            <a:p>
+              <a:pPr algn="ctr"/>
+              <a:endParaRPr lang="zh-TW" altLang="en-US" sz="1600">
+                <a:latin typeface="微軟正黑體" panose="020B0604030504040204" pitchFamily="34" charset="-120"/>
+                <a:ea typeface="微軟正黑體" panose="020B0604030504040204" pitchFamily="34" charset="-120"/>
+              </a:endParaRPr>
+            </a:p>
+          </p:txBody>
+        </p:sp>
+        <p:cxnSp>
+          <p:nvCxnSpPr>
+            <p:cNvPr id="14" name="直線接點 13">
+              <a:extLst>
+                <a:ext uri="{FF2B5EF4-FFF2-40B4-BE49-F238E27FC236}">
+                  <a16:creationId xmlns:a16="http://schemas.microsoft.com/office/drawing/2014/main" id="{6D844EA7-EA38-410B-BBB0-2B67E31B3F70}"/>
+                </a:ext>
+              </a:extLst>
+            </p:cNvPr>
+            <p:cNvCxnSpPr>
+              <a:cxnSpLocks/>
+            </p:cNvCxnSpPr>
+            <p:nvPr/>
+          </p:nvCxnSpPr>
+          <p:spPr>
+            <a:xfrm flipH="1">
+              <a:off x="2684462" y="3965577"/>
+              <a:ext cx="1548872" cy="0"/>
+            </a:xfrm>
+            <a:prstGeom prst="line">
+              <a:avLst/>
+            </a:prstGeom>
+            <a:ln w="38100">
+              <a:solidFill>
+                <a:srgbClr val="FF0000"/>
+              </a:solidFill>
+              <a:prstDash val="sysDash"/>
+            </a:ln>
+          </p:spPr>
+          <p:style>
+            <a:lnRef idx="1">
+              <a:schemeClr val="accent1"/>
+            </a:lnRef>
+            <a:fillRef idx="0">
+              <a:schemeClr val="accent1"/>
+            </a:fillRef>
+            <a:effectRef idx="0">
+              <a:schemeClr val="accent1"/>
+            </a:effectRef>
+            <a:fontRef idx="minor">
+              <a:schemeClr val="tx1"/>
+            </a:fontRef>
+          </p:style>
+        </p:cxnSp>
+        <p:cxnSp>
+          <p:nvCxnSpPr>
+            <p:cNvPr id="17" name="直線接點 16">
+              <a:extLst>
+                <a:ext uri="{FF2B5EF4-FFF2-40B4-BE49-F238E27FC236}">
+                  <a16:creationId xmlns:a16="http://schemas.microsoft.com/office/drawing/2014/main" id="{975A3870-73E0-4045-BCF9-ADF9F5F0AB2F}"/>
+                </a:ext>
+              </a:extLst>
+            </p:cNvPr>
+            <p:cNvCxnSpPr>
+              <a:cxnSpLocks/>
+            </p:cNvCxnSpPr>
+            <p:nvPr/>
+          </p:nvCxnSpPr>
+          <p:spPr>
+            <a:xfrm flipH="1">
+              <a:off x="2698750" y="2338920"/>
+              <a:ext cx="208757" cy="0"/>
+            </a:xfrm>
+            <a:prstGeom prst="line">
+              <a:avLst/>
+            </a:prstGeom>
+            <a:ln w="38100">
+              <a:solidFill>
+                <a:srgbClr val="FF0000"/>
+              </a:solidFill>
+            </a:ln>
+          </p:spPr>
+          <p:style>
+            <a:lnRef idx="1">
+              <a:schemeClr val="accent1"/>
+            </a:lnRef>
+            <a:fillRef idx="0">
+              <a:schemeClr val="accent1"/>
+            </a:fillRef>
+            <a:effectRef idx="0">
+              <a:schemeClr val="accent1"/>
+            </a:effectRef>
+            <a:fontRef idx="minor">
+              <a:schemeClr val="tx1"/>
+            </a:fontRef>
+          </p:style>
+        </p:cxnSp>
+        <p:cxnSp>
+          <p:nvCxnSpPr>
+            <p:cNvPr id="18" name="直線接點 17">
+              <a:extLst>
+                <a:ext uri="{FF2B5EF4-FFF2-40B4-BE49-F238E27FC236}">
+                  <a16:creationId xmlns:a16="http://schemas.microsoft.com/office/drawing/2014/main" id="{6FA1A1C6-B215-4F0A-B18D-8B5C457A25F8}"/>
+                </a:ext>
+              </a:extLst>
+            </p:cNvPr>
+            <p:cNvCxnSpPr>
+              <a:cxnSpLocks/>
+            </p:cNvCxnSpPr>
+            <p:nvPr/>
+          </p:nvCxnSpPr>
+          <p:spPr>
+            <a:xfrm flipH="1" flipV="1">
+              <a:off x="2895600" y="2327809"/>
+              <a:ext cx="478366" cy="706965"/>
+            </a:xfrm>
+            <a:prstGeom prst="line">
+              <a:avLst/>
+            </a:prstGeom>
+            <a:ln w="38100">
+              <a:solidFill>
+                <a:srgbClr val="FF0000"/>
+              </a:solidFill>
+              <a:prstDash val="sysDash"/>
+            </a:ln>
+          </p:spPr>
+          <p:style>
+            <a:lnRef idx="1">
+              <a:schemeClr val="accent1"/>
+            </a:lnRef>
+            <a:fillRef idx="0">
+              <a:schemeClr val="accent1"/>
+            </a:fillRef>
+            <a:effectRef idx="0">
+              <a:schemeClr val="accent1"/>
+            </a:effectRef>
+            <a:fontRef idx="minor">
+              <a:schemeClr val="tx1"/>
+            </a:fontRef>
+          </p:style>
+        </p:cxnSp>
+        <p:sp>
+          <p:nvSpPr>
+            <p:cNvPr id="16" name="橢圓 15">
+              <a:extLst>
+                <a:ext uri="{FF2B5EF4-FFF2-40B4-BE49-F238E27FC236}">
+                  <a16:creationId xmlns:a16="http://schemas.microsoft.com/office/drawing/2014/main" id="{F615096C-6F0F-49BA-8B0A-F510FD1CDD88}"/>
+                </a:ext>
+              </a:extLst>
+            </p:cNvPr>
+            <p:cNvSpPr/>
+            <p:nvPr/>
+          </p:nvSpPr>
+          <p:spPr>
+            <a:xfrm>
+              <a:off x="3310466" y="2973391"/>
+              <a:ext cx="127000" cy="127000"/>
+            </a:xfrm>
+            <a:prstGeom prst="ellipse">
+              <a:avLst/>
+            </a:prstGeom>
+            <a:solidFill>
+              <a:srgbClr val="FF0000"/>
+            </a:solidFill>
+            <a:ln>
+              <a:noFill/>
+            </a:ln>
+          </p:spPr>
+          <p:style>
+            <a:lnRef idx="2">
+              <a:schemeClr val="accent1">
+                <a:shade val="50000"/>
+              </a:schemeClr>
+            </a:lnRef>
+            <a:fillRef idx="1">
+              <a:schemeClr val="accent1"/>
+            </a:fillRef>
+            <a:effectRef idx="0">
+              <a:schemeClr val="accent1"/>
+            </a:effectRef>
+            <a:fontRef idx="minor">
+              <a:schemeClr val="lt1"/>
+            </a:fontRef>
+          </p:style>
+          <p:txBody>
+            <a:bodyPr rtlCol="0" anchor="ctr"/>
+            <a:lstStyle/>
+            <a:p>
+              <a:pPr algn="ctr"/>
+              <a:endParaRPr lang="zh-TW" altLang="en-US" sz="1600" dirty="0">
+                <a:latin typeface="微軟正黑體" panose="020B0604030504040204" pitchFamily="34" charset="-120"/>
+                <a:ea typeface="微軟正黑體" panose="020B0604030504040204" pitchFamily="34" charset="-120"/>
+              </a:endParaRPr>
+            </a:p>
+          </p:txBody>
+        </p:sp>
+        <p:cxnSp>
+          <p:nvCxnSpPr>
+            <p:cNvPr id="35" name="直線接點 34">
+              <a:extLst>
+                <a:ext uri="{FF2B5EF4-FFF2-40B4-BE49-F238E27FC236}">
+                  <a16:creationId xmlns:a16="http://schemas.microsoft.com/office/drawing/2014/main" id="{BAC01434-0B8A-4459-BFF5-F16C7EF17E04}"/>
+                </a:ext>
+              </a:extLst>
+            </p:cNvPr>
+            <p:cNvCxnSpPr>
+              <a:cxnSpLocks/>
+            </p:cNvCxnSpPr>
+            <p:nvPr/>
+          </p:nvCxnSpPr>
+          <p:spPr>
+            <a:xfrm flipH="1">
+              <a:off x="7700962" y="4906439"/>
+              <a:ext cx="2100262" cy="0"/>
+            </a:xfrm>
+            <a:prstGeom prst="line">
+              <a:avLst/>
+            </a:prstGeom>
+            <a:ln w="38100">
+              <a:solidFill>
+                <a:srgbClr val="FF0000"/>
+              </a:solidFill>
+              <a:prstDash val="sysDash"/>
+            </a:ln>
+          </p:spPr>
+          <p:style>
+            <a:lnRef idx="1">
+              <a:schemeClr val="accent1"/>
+            </a:lnRef>
+            <a:fillRef idx="0">
+              <a:schemeClr val="accent1"/>
+            </a:fillRef>
+            <a:effectRef idx="0">
+              <a:schemeClr val="accent1"/>
+            </a:effectRef>
+            <a:fontRef idx="minor">
+              <a:schemeClr val="tx1"/>
+            </a:fontRef>
+          </p:style>
+        </p:cxnSp>
+        <p:sp>
+          <p:nvSpPr>
+            <p:cNvPr id="36" name="橢圓 35">
+              <a:extLst>
+                <a:ext uri="{FF2B5EF4-FFF2-40B4-BE49-F238E27FC236}">
+                  <a16:creationId xmlns:a16="http://schemas.microsoft.com/office/drawing/2014/main" id="{B8BC5EEC-F0E8-4F58-8DC4-17C855BD263A}"/>
+                </a:ext>
+              </a:extLst>
+            </p:cNvPr>
+            <p:cNvSpPr/>
+            <p:nvPr/>
+          </p:nvSpPr>
+          <p:spPr>
+            <a:xfrm>
+              <a:off x="7333842" y="4367647"/>
+              <a:ext cx="127000" cy="127000"/>
+            </a:xfrm>
+            <a:prstGeom prst="ellipse">
+              <a:avLst/>
+            </a:prstGeom>
+            <a:solidFill>
+              <a:srgbClr val="FF0000"/>
+            </a:solidFill>
+            <a:ln>
+              <a:noFill/>
+            </a:ln>
+          </p:spPr>
+          <p:style>
+            <a:lnRef idx="2">
+              <a:schemeClr val="accent1">
+                <a:shade val="50000"/>
+              </a:schemeClr>
+            </a:lnRef>
+            <a:fillRef idx="1">
+              <a:schemeClr val="accent1"/>
+            </a:fillRef>
+            <a:effectRef idx="0">
+              <a:schemeClr val="accent1"/>
+            </a:effectRef>
+            <a:fontRef idx="minor">
+              <a:schemeClr val="lt1"/>
+            </a:fontRef>
+          </p:style>
+          <p:txBody>
+            <a:bodyPr rtlCol="0" anchor="ctr"/>
+            <a:lstStyle/>
+            <a:p>
+              <a:pPr algn="ctr"/>
+              <a:endParaRPr lang="zh-TW" altLang="en-US" sz="1600">
+                <a:latin typeface="微軟正黑體" panose="020B0604030504040204" pitchFamily="34" charset="-120"/>
+                <a:ea typeface="微軟正黑體" panose="020B0604030504040204" pitchFamily="34" charset="-120"/>
+              </a:endParaRPr>
+            </a:p>
+          </p:txBody>
+        </p:sp>
+        <p:cxnSp>
+          <p:nvCxnSpPr>
+            <p:cNvPr id="37" name="直線接點 36">
+              <a:extLst>
+                <a:ext uri="{FF2B5EF4-FFF2-40B4-BE49-F238E27FC236}">
+                  <a16:creationId xmlns:a16="http://schemas.microsoft.com/office/drawing/2014/main" id="{30EFA6ED-B16E-478D-809D-2AC20681A958}"/>
+                </a:ext>
+              </a:extLst>
+            </p:cNvPr>
+            <p:cNvCxnSpPr>
+              <a:cxnSpLocks/>
+            </p:cNvCxnSpPr>
+            <p:nvPr/>
+          </p:nvCxnSpPr>
+          <p:spPr>
+            <a:xfrm flipH="1">
+              <a:off x="6888956" y="4233864"/>
+              <a:ext cx="2919414" cy="0"/>
+            </a:xfrm>
+            <a:prstGeom prst="line">
+              <a:avLst/>
+            </a:prstGeom>
+            <a:ln w="38100">
+              <a:solidFill>
+                <a:srgbClr val="FF0000"/>
+              </a:solidFill>
+              <a:prstDash val="sysDash"/>
+            </a:ln>
+          </p:spPr>
+          <p:style>
+            <a:lnRef idx="1">
+              <a:schemeClr val="accent1"/>
+            </a:lnRef>
+            <a:fillRef idx="0">
+              <a:schemeClr val="accent1"/>
+            </a:fillRef>
+            <a:effectRef idx="0">
+              <a:schemeClr val="accent1"/>
+            </a:effectRef>
+            <a:fontRef idx="minor">
+              <a:schemeClr val="tx1"/>
+            </a:fontRef>
+          </p:style>
+        </p:cxnSp>
+        <p:sp>
+          <p:nvSpPr>
+            <p:cNvPr id="38" name="橢圓 37">
+              <a:extLst>
+                <a:ext uri="{FF2B5EF4-FFF2-40B4-BE49-F238E27FC236}">
+                  <a16:creationId xmlns:a16="http://schemas.microsoft.com/office/drawing/2014/main" id="{3D3E7234-BD78-4583-A76D-7373E6158A9F}"/>
+                </a:ext>
+              </a:extLst>
+            </p:cNvPr>
+            <p:cNvSpPr/>
+            <p:nvPr/>
+          </p:nvSpPr>
+          <p:spPr>
+            <a:xfrm>
+              <a:off x="6556375" y="3751794"/>
+              <a:ext cx="127000" cy="127000"/>
+            </a:xfrm>
+            <a:prstGeom prst="ellipse">
+              <a:avLst/>
+            </a:prstGeom>
+            <a:solidFill>
+              <a:srgbClr val="FF0000"/>
+            </a:solidFill>
+            <a:ln>
+              <a:noFill/>
+            </a:ln>
+          </p:spPr>
+          <p:style>
+            <a:lnRef idx="2">
+              <a:schemeClr val="accent1">
+                <a:shade val="50000"/>
+              </a:schemeClr>
+            </a:lnRef>
+            <a:fillRef idx="1">
+              <a:schemeClr val="accent1"/>
+            </a:fillRef>
+            <a:effectRef idx="0">
+              <a:schemeClr val="accent1"/>
+            </a:effectRef>
+            <a:fontRef idx="minor">
+              <a:schemeClr val="lt1"/>
+            </a:fontRef>
+          </p:style>
+          <p:txBody>
+            <a:bodyPr rtlCol="0" anchor="ctr"/>
+            <a:lstStyle/>
+            <a:p>
+              <a:pPr algn="ctr"/>
+              <a:endParaRPr lang="zh-TW" altLang="en-US" sz="1600">
+                <a:latin typeface="微軟正黑體" panose="020B0604030504040204" pitchFamily="34" charset="-120"/>
+                <a:ea typeface="微軟正黑體" panose="020B0604030504040204" pitchFamily="34" charset="-120"/>
+              </a:endParaRPr>
+            </a:p>
+          </p:txBody>
+        </p:sp>
+        <p:cxnSp>
+          <p:nvCxnSpPr>
+            <p:cNvPr id="40" name="直線接點 39">
+              <a:extLst>
+                <a:ext uri="{FF2B5EF4-FFF2-40B4-BE49-F238E27FC236}">
+                  <a16:creationId xmlns:a16="http://schemas.microsoft.com/office/drawing/2014/main" id="{44BE09D9-0F43-44A1-9460-689297C023C5}"/>
+                </a:ext>
+              </a:extLst>
+            </p:cNvPr>
+            <p:cNvCxnSpPr>
+              <a:cxnSpLocks/>
+            </p:cNvCxnSpPr>
+            <p:nvPr/>
+          </p:nvCxnSpPr>
+          <p:spPr>
+            <a:xfrm flipH="1">
+              <a:off x="7115174" y="3559273"/>
+              <a:ext cx="2686050" cy="0"/>
+            </a:xfrm>
+            <a:prstGeom prst="line">
+              <a:avLst/>
+            </a:prstGeom>
+            <a:ln w="38100">
+              <a:solidFill>
+                <a:srgbClr val="FF0000"/>
+              </a:solidFill>
+              <a:prstDash val="sysDash"/>
+            </a:ln>
+          </p:spPr>
+          <p:style>
+            <a:lnRef idx="1">
+              <a:schemeClr val="accent1"/>
+            </a:lnRef>
+            <a:fillRef idx="0">
+              <a:schemeClr val="accent1"/>
+            </a:fillRef>
+            <a:effectRef idx="0">
+              <a:schemeClr val="accent1"/>
+            </a:effectRef>
+            <a:fontRef idx="minor">
+              <a:schemeClr val="tx1"/>
+            </a:fontRef>
+          </p:style>
+        </p:cxnSp>
+        <p:sp>
+          <p:nvSpPr>
+            <p:cNvPr id="41" name="橢圓 40">
+              <a:extLst>
+                <a:ext uri="{FF2B5EF4-FFF2-40B4-BE49-F238E27FC236}">
+                  <a16:creationId xmlns:a16="http://schemas.microsoft.com/office/drawing/2014/main" id="{4AC134A7-3675-4503-8E6D-D44B3CE45239}"/>
+                </a:ext>
+              </a:extLst>
+            </p:cNvPr>
+            <p:cNvSpPr/>
+            <p:nvPr/>
+          </p:nvSpPr>
+          <p:spPr>
+            <a:xfrm>
+              <a:off x="6937375" y="3593044"/>
+              <a:ext cx="127000" cy="127000"/>
+            </a:xfrm>
+            <a:prstGeom prst="ellipse">
+              <a:avLst/>
+            </a:prstGeom>
+            <a:solidFill>
+              <a:srgbClr val="FF0000"/>
+            </a:solidFill>
+            <a:ln>
+              <a:noFill/>
+            </a:ln>
+          </p:spPr>
+          <p:style>
+            <a:lnRef idx="2">
+              <a:schemeClr val="accent1">
+                <a:shade val="50000"/>
+              </a:schemeClr>
+            </a:lnRef>
+            <a:fillRef idx="1">
+              <a:schemeClr val="accent1"/>
+            </a:fillRef>
+            <a:effectRef idx="0">
+              <a:schemeClr val="accent1"/>
+            </a:effectRef>
+            <a:fontRef idx="minor">
+              <a:schemeClr val="lt1"/>
+            </a:fontRef>
+          </p:style>
+          <p:txBody>
+            <a:bodyPr rtlCol="0" anchor="ctr"/>
+            <a:lstStyle/>
+            <a:p>
+              <a:pPr algn="ctr"/>
+              <a:endParaRPr lang="zh-TW" altLang="en-US" sz="1600">
+                <a:latin typeface="微軟正黑體" panose="020B0604030504040204" pitchFamily="34" charset="-120"/>
+                <a:ea typeface="微軟正黑體" panose="020B0604030504040204" pitchFamily="34" charset="-120"/>
+              </a:endParaRPr>
+            </a:p>
+          </p:txBody>
+        </p:sp>
+        <p:cxnSp>
+          <p:nvCxnSpPr>
+            <p:cNvPr id="42" name="直線接點 41">
+              <a:extLst>
+                <a:ext uri="{FF2B5EF4-FFF2-40B4-BE49-F238E27FC236}">
+                  <a16:creationId xmlns:a16="http://schemas.microsoft.com/office/drawing/2014/main" id="{C74D45CF-DB8A-47EB-9D9E-25F1C5AF06CC}"/>
+                </a:ext>
+              </a:extLst>
+            </p:cNvPr>
+            <p:cNvCxnSpPr>
+              <a:cxnSpLocks/>
+            </p:cNvCxnSpPr>
+            <p:nvPr/>
+          </p:nvCxnSpPr>
+          <p:spPr>
+            <a:xfrm flipV="1">
+              <a:off x="7000875" y="3556049"/>
+              <a:ext cx="125512" cy="106583"/>
+            </a:xfrm>
+            <a:prstGeom prst="line">
+              <a:avLst/>
+            </a:prstGeom>
+            <a:ln w="38100">
+              <a:solidFill>
+                <a:srgbClr val="FF0000"/>
+              </a:solidFill>
+            </a:ln>
+          </p:spPr>
+          <p:style>
+            <a:lnRef idx="1">
+              <a:schemeClr val="accent1"/>
+            </a:lnRef>
+            <a:fillRef idx="0">
+              <a:schemeClr val="accent1"/>
+            </a:fillRef>
+            <a:effectRef idx="0">
+              <a:schemeClr val="accent1"/>
+            </a:effectRef>
+            <a:fontRef idx="minor">
+              <a:schemeClr val="tx1"/>
+            </a:fontRef>
+          </p:style>
+        </p:cxnSp>
+        <p:cxnSp>
+          <p:nvCxnSpPr>
+            <p:cNvPr id="44" name="直線接點 43">
+              <a:extLst>
+                <a:ext uri="{FF2B5EF4-FFF2-40B4-BE49-F238E27FC236}">
+                  <a16:creationId xmlns:a16="http://schemas.microsoft.com/office/drawing/2014/main" id="{B511EBCE-B041-4834-9EEA-28A7D697C634}"/>
+                </a:ext>
+              </a:extLst>
+            </p:cNvPr>
+            <p:cNvCxnSpPr>
+              <a:cxnSpLocks/>
+            </p:cNvCxnSpPr>
+            <p:nvPr/>
+          </p:nvCxnSpPr>
+          <p:spPr>
+            <a:xfrm flipH="1">
+              <a:off x="7134226" y="2891100"/>
+              <a:ext cx="2674143" cy="0"/>
+            </a:xfrm>
+            <a:prstGeom prst="line">
+              <a:avLst/>
+            </a:prstGeom>
+            <a:ln w="38100">
+              <a:solidFill>
+                <a:srgbClr val="FF0000"/>
+              </a:solidFill>
+              <a:prstDash val="sysDash"/>
+            </a:ln>
+          </p:spPr>
+          <p:style>
+            <a:lnRef idx="1">
+              <a:schemeClr val="accent1"/>
+            </a:lnRef>
+            <a:fillRef idx="0">
+              <a:schemeClr val="accent1"/>
+            </a:fillRef>
+            <a:effectRef idx="0">
+              <a:schemeClr val="accent1"/>
+            </a:effectRef>
+            <a:fontRef idx="minor">
+              <a:schemeClr val="tx1"/>
+            </a:fontRef>
+          </p:style>
+        </p:cxnSp>
+        <p:sp>
+          <p:nvSpPr>
+            <p:cNvPr id="45" name="橢圓 44">
+              <a:extLst>
+                <a:ext uri="{FF2B5EF4-FFF2-40B4-BE49-F238E27FC236}">
+                  <a16:creationId xmlns:a16="http://schemas.microsoft.com/office/drawing/2014/main" id="{258E7156-8C74-4B40-831C-C44053724428}"/>
+                </a:ext>
+              </a:extLst>
+            </p:cNvPr>
+            <p:cNvSpPr/>
+            <p:nvPr/>
+          </p:nvSpPr>
+          <p:spPr>
+            <a:xfrm>
+              <a:off x="6820694" y="3041654"/>
+              <a:ext cx="127000" cy="127000"/>
+            </a:xfrm>
+            <a:prstGeom prst="ellipse">
+              <a:avLst/>
+            </a:prstGeom>
+            <a:solidFill>
+              <a:srgbClr val="FF0000"/>
+            </a:solidFill>
+            <a:ln>
+              <a:noFill/>
+            </a:ln>
+          </p:spPr>
+          <p:style>
+            <a:lnRef idx="2">
+              <a:schemeClr val="accent1">
+                <a:shade val="50000"/>
+              </a:schemeClr>
+            </a:lnRef>
+            <a:fillRef idx="1">
+              <a:schemeClr val="accent1"/>
+            </a:fillRef>
+            <a:effectRef idx="0">
+              <a:schemeClr val="accent1"/>
+            </a:effectRef>
+            <a:fontRef idx="minor">
+              <a:schemeClr val="lt1"/>
+            </a:fontRef>
+          </p:style>
+          <p:txBody>
+            <a:bodyPr rtlCol="0" anchor="ctr"/>
+            <a:lstStyle/>
+            <a:p>
+              <a:pPr algn="ctr"/>
+              <a:endParaRPr lang="zh-TW" altLang="en-US" sz="1600">
+                <a:latin typeface="微軟正黑體" panose="020B0604030504040204" pitchFamily="34" charset="-120"/>
+                <a:ea typeface="微軟正黑體" panose="020B0604030504040204" pitchFamily="34" charset="-120"/>
+              </a:endParaRPr>
+            </a:p>
+          </p:txBody>
+        </p:sp>
+        <p:cxnSp>
+          <p:nvCxnSpPr>
+            <p:cNvPr id="46" name="直線接點 45">
+              <a:extLst>
+                <a:ext uri="{FF2B5EF4-FFF2-40B4-BE49-F238E27FC236}">
+                  <a16:creationId xmlns:a16="http://schemas.microsoft.com/office/drawing/2014/main" id="{A22FB7A6-953A-4B99-A03D-E2707DD1F10D}"/>
+                </a:ext>
+              </a:extLst>
+            </p:cNvPr>
+            <p:cNvCxnSpPr>
+              <a:cxnSpLocks/>
+            </p:cNvCxnSpPr>
+            <p:nvPr/>
+          </p:nvCxnSpPr>
+          <p:spPr>
+            <a:xfrm flipV="1">
+              <a:off x="6884194" y="2886338"/>
+              <a:ext cx="264848" cy="224903"/>
+            </a:xfrm>
+            <a:prstGeom prst="line">
+              <a:avLst/>
+            </a:prstGeom>
+            <a:ln w="38100">
+              <a:solidFill>
+                <a:srgbClr val="FF0000"/>
+              </a:solidFill>
+              <a:prstDash val="sysDash"/>
+            </a:ln>
+          </p:spPr>
+          <p:style>
+            <a:lnRef idx="1">
+              <a:schemeClr val="accent1"/>
+            </a:lnRef>
+            <a:fillRef idx="0">
+              <a:schemeClr val="accent1"/>
+            </a:fillRef>
+            <a:effectRef idx="0">
+              <a:schemeClr val="accent1"/>
+            </a:effectRef>
+            <a:fontRef idx="minor">
+              <a:schemeClr val="tx1"/>
+            </a:fontRef>
+          </p:style>
+        </p:cxnSp>
+        <p:cxnSp>
+          <p:nvCxnSpPr>
+            <p:cNvPr id="47" name="直線接點 46">
+              <a:extLst>
+                <a:ext uri="{FF2B5EF4-FFF2-40B4-BE49-F238E27FC236}">
+                  <a16:creationId xmlns:a16="http://schemas.microsoft.com/office/drawing/2014/main" id="{43BEFC3B-93EF-4F73-AA6A-22B806AD5541}"/>
+                </a:ext>
+              </a:extLst>
+            </p:cNvPr>
+            <p:cNvCxnSpPr>
+              <a:cxnSpLocks/>
+            </p:cNvCxnSpPr>
+            <p:nvPr/>
+          </p:nvCxnSpPr>
+          <p:spPr>
+            <a:xfrm flipH="1">
+              <a:off x="7397342" y="1845731"/>
+              <a:ext cx="2396739" cy="0"/>
+            </a:xfrm>
+            <a:prstGeom prst="line">
+              <a:avLst/>
+            </a:prstGeom>
+            <a:ln w="38100">
+              <a:solidFill>
+                <a:srgbClr val="FF0000"/>
+              </a:solidFill>
+              <a:prstDash val="sysDash"/>
+            </a:ln>
+          </p:spPr>
+          <p:style>
+            <a:lnRef idx="1">
+              <a:schemeClr val="accent1"/>
+            </a:lnRef>
+            <a:fillRef idx="0">
+              <a:schemeClr val="accent1"/>
+            </a:fillRef>
+            <a:effectRef idx="0">
+              <a:schemeClr val="accent1"/>
+            </a:effectRef>
+            <a:fontRef idx="minor">
+              <a:schemeClr val="tx1"/>
+            </a:fontRef>
+          </p:style>
+        </p:cxnSp>
+        <p:sp>
+          <p:nvSpPr>
+            <p:cNvPr id="48" name="橢圓 47">
+              <a:extLst>
+                <a:ext uri="{FF2B5EF4-FFF2-40B4-BE49-F238E27FC236}">
+                  <a16:creationId xmlns:a16="http://schemas.microsoft.com/office/drawing/2014/main" id="{8C987024-8B98-4AE0-A20C-667864AFFBCA}"/>
+                </a:ext>
+              </a:extLst>
+            </p:cNvPr>
+            <p:cNvSpPr/>
+            <p:nvPr/>
+          </p:nvSpPr>
+          <p:spPr>
+            <a:xfrm>
+              <a:off x="5992812" y="2924442"/>
+              <a:ext cx="127000" cy="127000"/>
+            </a:xfrm>
+            <a:prstGeom prst="ellipse">
+              <a:avLst/>
+            </a:prstGeom>
+            <a:solidFill>
+              <a:srgbClr val="FF0000"/>
+            </a:solidFill>
+            <a:ln>
+              <a:noFill/>
+            </a:ln>
+          </p:spPr>
+          <p:style>
+            <a:lnRef idx="2">
+              <a:schemeClr val="accent1">
+                <a:shade val="50000"/>
+              </a:schemeClr>
+            </a:lnRef>
+            <a:fillRef idx="1">
+              <a:schemeClr val="accent1"/>
+            </a:fillRef>
+            <a:effectRef idx="0">
+              <a:schemeClr val="accent1"/>
+            </a:effectRef>
+            <a:fontRef idx="minor">
+              <a:schemeClr val="lt1"/>
+            </a:fontRef>
+          </p:style>
+          <p:txBody>
+            <a:bodyPr rtlCol="0" anchor="ctr"/>
+            <a:lstStyle/>
+            <a:p>
+              <a:pPr algn="ctr"/>
+              <a:endParaRPr lang="zh-TW" altLang="en-US" sz="1600">
+                <a:latin typeface="微軟正黑體" panose="020B0604030504040204" pitchFamily="34" charset="-120"/>
+                <a:ea typeface="微軟正黑體" panose="020B0604030504040204" pitchFamily="34" charset="-120"/>
+              </a:endParaRPr>
+            </a:p>
+          </p:txBody>
+        </p:sp>
+        <p:cxnSp>
+          <p:nvCxnSpPr>
+            <p:cNvPr id="49" name="直線接點 48">
+              <a:extLst>
+                <a:ext uri="{FF2B5EF4-FFF2-40B4-BE49-F238E27FC236}">
+                  <a16:creationId xmlns:a16="http://schemas.microsoft.com/office/drawing/2014/main" id="{CAE7F964-D7E1-4335-B574-CC6A8C33683B}"/>
+                </a:ext>
+              </a:extLst>
+            </p:cNvPr>
+            <p:cNvCxnSpPr>
+              <a:cxnSpLocks/>
+            </p:cNvCxnSpPr>
+            <p:nvPr/>
+          </p:nvCxnSpPr>
+          <p:spPr>
+            <a:xfrm flipV="1">
+              <a:off x="6056312" y="1839513"/>
+              <a:ext cx="1359569" cy="1154518"/>
+            </a:xfrm>
+            <a:prstGeom prst="line">
+              <a:avLst/>
+            </a:prstGeom>
+            <a:ln w="38100">
+              <a:solidFill>
+                <a:srgbClr val="FF0000"/>
+              </a:solidFill>
+              <a:prstDash val="sysDash"/>
+            </a:ln>
+          </p:spPr>
+          <p:style>
+            <a:lnRef idx="1">
+              <a:schemeClr val="accent1"/>
+            </a:lnRef>
+            <a:fillRef idx="0">
+              <a:schemeClr val="accent1"/>
+            </a:fillRef>
+            <a:effectRef idx="0">
+              <a:schemeClr val="accent1"/>
+            </a:effectRef>
+            <a:fontRef idx="minor">
+              <a:schemeClr val="tx1"/>
+            </a:fontRef>
+          </p:style>
+        </p:cxnSp>
+        <p:cxnSp>
+          <p:nvCxnSpPr>
+            <p:cNvPr id="51" name="直線接點 50">
+              <a:extLst>
+                <a:ext uri="{FF2B5EF4-FFF2-40B4-BE49-F238E27FC236}">
+                  <a16:creationId xmlns:a16="http://schemas.microsoft.com/office/drawing/2014/main" id="{5AF1920F-AC72-4134-98AD-CA08A58F3FB7}"/>
+                </a:ext>
+              </a:extLst>
+            </p:cNvPr>
+            <p:cNvCxnSpPr>
+              <a:cxnSpLocks/>
+            </p:cNvCxnSpPr>
+            <p:nvPr/>
+          </p:nvCxnSpPr>
+          <p:spPr>
+            <a:xfrm flipH="1" flipV="1">
+              <a:off x="7397343" y="4434945"/>
+              <a:ext cx="322257" cy="476256"/>
+            </a:xfrm>
+            <a:prstGeom prst="line">
+              <a:avLst/>
+            </a:prstGeom>
+            <a:ln w="38100">
+              <a:solidFill>
+                <a:srgbClr val="FF0000"/>
+              </a:solidFill>
+              <a:prstDash val="sysDash"/>
+            </a:ln>
+          </p:spPr>
+          <p:style>
+            <a:lnRef idx="1">
+              <a:schemeClr val="accent1"/>
+            </a:lnRef>
+            <a:fillRef idx="0">
+              <a:schemeClr val="accent1"/>
+            </a:fillRef>
+            <a:effectRef idx="0">
+              <a:schemeClr val="accent1"/>
+            </a:effectRef>
+            <a:fontRef idx="minor">
+              <a:schemeClr val="tx1"/>
+            </a:fontRef>
+          </p:style>
+        </p:cxnSp>
+        <p:sp>
+          <p:nvSpPr>
+            <p:cNvPr id="58" name="矩形 57">
+              <a:extLst>
+                <a:ext uri="{FF2B5EF4-FFF2-40B4-BE49-F238E27FC236}">
+                  <a16:creationId xmlns:a16="http://schemas.microsoft.com/office/drawing/2014/main" id="{0F6078B8-BE4F-40CF-8D64-C258386EB0AA}"/>
+                </a:ext>
+              </a:extLst>
+            </p:cNvPr>
+            <p:cNvSpPr/>
+            <p:nvPr/>
+          </p:nvSpPr>
+          <p:spPr>
+            <a:xfrm>
+              <a:off x="62442" y="2144530"/>
+              <a:ext cx="2997463" cy="454213"/>
+            </a:xfrm>
+            <a:prstGeom prst="rect">
+              <a:avLst/>
+            </a:prstGeom>
+            <a:solidFill>
+              <a:schemeClr val="bg1"/>
+            </a:solidFill>
+            <a:ln w="38100">
+              <a:solidFill>
+                <a:srgbClr val="456185"/>
+              </a:solidFill>
+            </a:ln>
+          </p:spPr>
+          <p:style>
+            <a:lnRef idx="2">
+              <a:schemeClr val="accent1">
+                <a:shade val="50000"/>
+              </a:schemeClr>
+            </a:lnRef>
+            <a:fillRef idx="1">
+              <a:schemeClr val="accent1"/>
+            </a:fillRef>
+            <a:effectRef idx="0">
+              <a:schemeClr val="accent1"/>
+            </a:effectRef>
+            <a:fontRef idx="minor">
+              <a:schemeClr val="lt1"/>
+            </a:fontRef>
+          </p:style>
+          <p:txBody>
+            <a:bodyPr rtlCol="0" anchor="ctr"/>
+            <a:lstStyle/>
+            <a:p>
+              <a:pPr algn="ctr"/>
+              <a:r>
+                <a:rPr lang="zh-TW" altLang="en-US" sz="1600" dirty="0">
+                  <a:solidFill>
+                    <a:sysClr val="windowText" lastClr="000000"/>
+                  </a:solidFill>
+                  <a:latin typeface="微軟正黑體" panose="020B0604030504040204" pitchFamily="34" charset="-120"/>
+                  <a:ea typeface="微軟正黑體" panose="020B0604030504040204" pitchFamily="34" charset="-120"/>
+                </a:rPr>
+                <a:t>室內噴塗廠</a:t>
+              </a:r>
+              <a:endParaRPr lang="en-US" altLang="zh-TW" sz="1600" dirty="0">
+                <a:solidFill>
+                  <a:sysClr val="windowText" lastClr="000000"/>
+                </a:solidFill>
+                <a:latin typeface="微軟正黑體" panose="020B0604030504040204" pitchFamily="34" charset="-120"/>
+                <a:ea typeface="微軟正黑體" panose="020B0604030504040204" pitchFamily="34" charset="-120"/>
+              </a:endParaRPr>
+            </a:p>
+          </p:txBody>
+        </p:sp>
+        <p:sp>
+          <p:nvSpPr>
+            <p:cNvPr id="59" name="矩形 58">
+              <a:extLst>
+                <a:ext uri="{FF2B5EF4-FFF2-40B4-BE49-F238E27FC236}">
+                  <a16:creationId xmlns:a16="http://schemas.microsoft.com/office/drawing/2014/main" id="{646D7600-EC62-41E7-9B8E-972A8DA46794}"/>
+                </a:ext>
+              </a:extLst>
+            </p:cNvPr>
+            <p:cNvSpPr/>
+            <p:nvPr/>
+          </p:nvSpPr>
+          <p:spPr>
+            <a:xfrm>
+              <a:off x="62442" y="3738127"/>
+              <a:ext cx="2997463" cy="454213"/>
+            </a:xfrm>
+            <a:prstGeom prst="rect">
+              <a:avLst/>
+            </a:prstGeom>
+            <a:solidFill>
+              <a:schemeClr val="bg1"/>
+            </a:solidFill>
+            <a:ln w="38100">
+              <a:solidFill>
+                <a:srgbClr val="456185"/>
+              </a:solidFill>
+            </a:ln>
+          </p:spPr>
+          <p:style>
+            <a:lnRef idx="2">
+              <a:schemeClr val="accent1">
+                <a:shade val="50000"/>
+              </a:schemeClr>
+            </a:lnRef>
+            <a:fillRef idx="1">
+              <a:schemeClr val="accent1"/>
+            </a:fillRef>
+            <a:effectRef idx="0">
+              <a:schemeClr val="accent1"/>
+            </a:effectRef>
+            <a:fontRef idx="minor">
+              <a:schemeClr val="lt1"/>
+            </a:fontRef>
+          </p:style>
+          <p:txBody>
+            <a:bodyPr rtlCol="0" anchor="ctr"/>
+            <a:lstStyle/>
+            <a:p>
+              <a:pPr algn="ctr"/>
+              <a:r>
+                <a:rPr lang="zh-TW" altLang="en-US" sz="1600" dirty="0">
+                  <a:solidFill>
+                    <a:sysClr val="windowText" lastClr="000000"/>
+                  </a:solidFill>
+                  <a:latin typeface="微軟正黑體" panose="020B0604030504040204" pitchFamily="34" charset="-120"/>
+                  <a:ea typeface="微軟正黑體" panose="020B0604030504040204" pitchFamily="34" charset="-120"/>
+                </a:rPr>
+                <a:t>室內組裝廠</a:t>
+              </a:r>
+              <a:endParaRPr lang="en-US" altLang="zh-TW" sz="1600" dirty="0">
+                <a:solidFill>
+                  <a:sysClr val="windowText" lastClr="000000"/>
+                </a:solidFill>
+                <a:latin typeface="微軟正黑體" panose="020B0604030504040204" pitchFamily="34" charset="-120"/>
+                <a:ea typeface="微軟正黑體" panose="020B0604030504040204" pitchFamily="34" charset="-120"/>
+              </a:endParaRPr>
+            </a:p>
+          </p:txBody>
+        </p:sp>
+        <p:sp>
+          <p:nvSpPr>
+            <p:cNvPr id="60" name="矩形 59">
+              <a:extLst>
+                <a:ext uri="{FF2B5EF4-FFF2-40B4-BE49-F238E27FC236}">
+                  <a16:creationId xmlns:a16="http://schemas.microsoft.com/office/drawing/2014/main" id="{4512B527-8DB6-49B5-BA56-50FB0AE978B4}"/>
+                </a:ext>
+              </a:extLst>
+            </p:cNvPr>
+            <p:cNvSpPr/>
+            <p:nvPr/>
+          </p:nvSpPr>
+          <p:spPr>
+            <a:xfrm>
+              <a:off x="62442" y="4378760"/>
+              <a:ext cx="2997463" cy="454213"/>
+            </a:xfrm>
+            <a:prstGeom prst="rect">
+              <a:avLst/>
+            </a:prstGeom>
+            <a:solidFill>
+              <a:schemeClr val="bg1"/>
+            </a:solidFill>
+            <a:ln w="38100">
+              <a:solidFill>
+                <a:srgbClr val="456185"/>
+              </a:solidFill>
+            </a:ln>
+          </p:spPr>
+          <p:style>
+            <a:lnRef idx="2">
+              <a:schemeClr val="accent1">
+                <a:shade val="50000"/>
+              </a:schemeClr>
+            </a:lnRef>
+            <a:fillRef idx="1">
+              <a:schemeClr val="accent1"/>
+            </a:fillRef>
+            <a:effectRef idx="0">
+              <a:schemeClr val="accent1"/>
+            </a:effectRef>
+            <a:fontRef idx="minor">
+              <a:schemeClr val="lt1"/>
+            </a:fontRef>
+          </p:style>
+          <p:txBody>
+            <a:bodyPr rtlCol="0" anchor="ctr"/>
+            <a:lstStyle/>
+            <a:p>
+              <a:pPr algn="ctr"/>
+              <a:r>
+                <a:rPr lang="zh-TW" altLang="en-US" sz="1600" dirty="0">
+                  <a:solidFill>
+                    <a:sysClr val="windowText" lastClr="000000"/>
+                  </a:solidFill>
+                  <a:latin typeface="微軟正黑體" panose="020B0604030504040204" pitchFamily="34" charset="-120"/>
+                  <a:ea typeface="微軟正黑體" panose="020B0604030504040204" pitchFamily="34" charset="-120"/>
+                </a:rPr>
+                <a:t>室外組裝場</a:t>
+              </a:r>
+              <a:endParaRPr lang="en-US" altLang="zh-TW" sz="1600" dirty="0">
+                <a:solidFill>
+                  <a:sysClr val="windowText" lastClr="000000"/>
+                </a:solidFill>
+                <a:latin typeface="微軟正黑體" panose="020B0604030504040204" pitchFamily="34" charset="-120"/>
+                <a:ea typeface="微軟正黑體" panose="020B0604030504040204" pitchFamily="34" charset="-120"/>
+              </a:endParaRPr>
+            </a:p>
+          </p:txBody>
+        </p:sp>
+        <p:sp>
+          <p:nvSpPr>
+            <p:cNvPr id="61" name="矩形 60">
+              <a:extLst>
+                <a:ext uri="{FF2B5EF4-FFF2-40B4-BE49-F238E27FC236}">
+                  <a16:creationId xmlns:a16="http://schemas.microsoft.com/office/drawing/2014/main" id="{D846BB40-BB32-471D-93CA-CA589458822A}"/>
+                </a:ext>
+              </a:extLst>
+            </p:cNvPr>
+            <p:cNvSpPr/>
+            <p:nvPr/>
+          </p:nvSpPr>
+          <p:spPr>
+            <a:xfrm>
+              <a:off x="9132095" y="1613903"/>
+              <a:ext cx="2169319" cy="451220"/>
+            </a:xfrm>
+            <a:prstGeom prst="rect">
+              <a:avLst/>
+            </a:prstGeom>
+            <a:solidFill>
+              <a:schemeClr val="bg1"/>
+            </a:solidFill>
+            <a:ln w="38100">
+              <a:solidFill>
+                <a:srgbClr val="456185"/>
+              </a:solidFill>
+            </a:ln>
+          </p:spPr>
+          <p:style>
+            <a:lnRef idx="2">
+              <a:schemeClr val="accent1">
+                <a:shade val="50000"/>
+              </a:schemeClr>
+            </a:lnRef>
+            <a:fillRef idx="1">
+              <a:schemeClr val="accent1"/>
+            </a:fillRef>
+            <a:effectRef idx="0">
+              <a:schemeClr val="accent1"/>
+            </a:effectRef>
+            <a:fontRef idx="minor">
+              <a:schemeClr val="lt1"/>
+            </a:fontRef>
+          </p:style>
+          <p:txBody>
+            <a:bodyPr rtlCol="0" anchor="ctr"/>
+            <a:lstStyle/>
+            <a:p>
+              <a:pPr algn="ctr"/>
+              <a:r>
+                <a:rPr lang="zh-TW" altLang="en-US" sz="1600" dirty="0">
+                  <a:solidFill>
+                    <a:sysClr val="windowText" lastClr="000000"/>
+                  </a:solidFill>
+                  <a:latin typeface="微軟正黑體" panose="020B0604030504040204" pitchFamily="34" charset="-120"/>
+                  <a:ea typeface="微軟正黑體" panose="020B0604030504040204" pitchFamily="34" charset="-120"/>
+                </a:rPr>
+                <a:t>成品儲放區</a:t>
+              </a:r>
+              <a:endParaRPr lang="en-US" altLang="zh-TW" sz="1600" dirty="0">
+                <a:solidFill>
+                  <a:sysClr val="windowText" lastClr="000000"/>
+                </a:solidFill>
+                <a:latin typeface="微軟正黑體" panose="020B0604030504040204" pitchFamily="34" charset="-120"/>
+                <a:ea typeface="微軟正黑體" panose="020B0604030504040204" pitchFamily="34" charset="-120"/>
+              </a:endParaRPr>
+            </a:p>
+          </p:txBody>
+        </p:sp>
+        <p:sp>
+          <p:nvSpPr>
+            <p:cNvPr id="65" name="矩形 64">
+              <a:extLst>
+                <a:ext uri="{FF2B5EF4-FFF2-40B4-BE49-F238E27FC236}">
+                  <a16:creationId xmlns:a16="http://schemas.microsoft.com/office/drawing/2014/main" id="{C5DA69F6-EF84-47B1-87D0-0229D9558D64}"/>
+                </a:ext>
+              </a:extLst>
+            </p:cNvPr>
+            <p:cNvSpPr/>
+            <p:nvPr/>
+          </p:nvSpPr>
+          <p:spPr>
+            <a:xfrm>
+              <a:off x="9117805" y="2669867"/>
+              <a:ext cx="2169319" cy="451220"/>
+            </a:xfrm>
+            <a:prstGeom prst="rect">
+              <a:avLst/>
+            </a:prstGeom>
+            <a:solidFill>
+              <a:schemeClr val="bg1"/>
+            </a:solidFill>
+            <a:ln w="38100">
+              <a:solidFill>
+                <a:srgbClr val="456185"/>
+              </a:solidFill>
+            </a:ln>
+          </p:spPr>
+          <p:style>
+            <a:lnRef idx="2">
+              <a:schemeClr val="accent1">
+                <a:shade val="50000"/>
+              </a:schemeClr>
+            </a:lnRef>
+            <a:fillRef idx="1">
+              <a:schemeClr val="accent1"/>
+            </a:fillRef>
+            <a:effectRef idx="0">
+              <a:schemeClr val="accent1"/>
+            </a:effectRef>
+            <a:fontRef idx="minor">
+              <a:schemeClr val="lt1"/>
+            </a:fontRef>
+          </p:style>
+          <p:txBody>
+            <a:bodyPr rtlCol="0" anchor="ctr"/>
+            <a:lstStyle/>
+            <a:p>
+              <a:pPr algn="ctr"/>
+              <a:r>
+                <a:rPr lang="zh-TW" altLang="en-US" sz="1600" dirty="0">
+                  <a:solidFill>
+                    <a:sysClr val="windowText" lastClr="000000"/>
+                  </a:solidFill>
+                  <a:latin typeface="微軟正黑體" panose="020B0604030504040204" pitchFamily="34" charset="-120"/>
+                  <a:ea typeface="微軟正黑體" panose="020B0604030504040204" pitchFamily="34" charset="-120"/>
+                </a:rPr>
+                <a:t>重件碼頭</a:t>
+              </a:r>
+              <a:endParaRPr lang="en-US" altLang="zh-TW" sz="1600" dirty="0">
+                <a:solidFill>
+                  <a:sysClr val="windowText" lastClr="000000"/>
+                </a:solidFill>
+                <a:latin typeface="微軟正黑體" panose="020B0604030504040204" pitchFamily="34" charset="-120"/>
+                <a:ea typeface="微軟正黑體" panose="020B0604030504040204" pitchFamily="34" charset="-120"/>
+              </a:endParaRPr>
+            </a:p>
+          </p:txBody>
+        </p:sp>
+        <p:sp>
+          <p:nvSpPr>
+            <p:cNvPr id="66" name="矩形 65">
+              <a:extLst>
+                <a:ext uri="{FF2B5EF4-FFF2-40B4-BE49-F238E27FC236}">
+                  <a16:creationId xmlns:a16="http://schemas.microsoft.com/office/drawing/2014/main" id="{3DDD47F7-55AF-4BA6-BC84-82B754A4D12C}"/>
+                </a:ext>
+              </a:extLst>
+            </p:cNvPr>
+            <p:cNvSpPr/>
+            <p:nvPr/>
+          </p:nvSpPr>
+          <p:spPr>
+            <a:xfrm>
+              <a:off x="9132095" y="3338265"/>
+              <a:ext cx="2169319" cy="439863"/>
+            </a:xfrm>
+            <a:prstGeom prst="rect">
+              <a:avLst/>
+            </a:prstGeom>
+            <a:solidFill>
+              <a:schemeClr val="bg1"/>
+            </a:solidFill>
+            <a:ln w="38100">
+              <a:solidFill>
+                <a:srgbClr val="456185"/>
+              </a:solidFill>
+            </a:ln>
+          </p:spPr>
+          <p:style>
+            <a:lnRef idx="2">
+              <a:schemeClr val="accent1">
+                <a:shade val="50000"/>
+              </a:schemeClr>
+            </a:lnRef>
+            <a:fillRef idx="1">
+              <a:schemeClr val="accent1"/>
+            </a:fillRef>
+            <a:effectRef idx="0">
+              <a:schemeClr val="accent1"/>
+            </a:effectRef>
+            <a:fontRef idx="minor">
+              <a:schemeClr val="lt1"/>
+            </a:fontRef>
+          </p:style>
+          <p:txBody>
+            <a:bodyPr rtlCol="0" anchor="ctr"/>
+            <a:lstStyle/>
+            <a:p>
+              <a:pPr algn="ctr"/>
+              <a:r>
+                <a:rPr lang="zh-TW" altLang="en-US" sz="1600" dirty="0">
+                  <a:solidFill>
+                    <a:sysClr val="windowText" lastClr="000000"/>
+                  </a:solidFill>
+                  <a:latin typeface="微軟正黑體" panose="020B0604030504040204" pitchFamily="34" charset="-120"/>
+                  <a:ea typeface="微軟正黑體" panose="020B0604030504040204" pitchFamily="34" charset="-120"/>
+                </a:rPr>
+                <a:t>物料儲放區</a:t>
+              </a:r>
+              <a:endParaRPr lang="en-US" altLang="zh-TW" sz="1600" dirty="0">
+                <a:solidFill>
+                  <a:sysClr val="windowText" lastClr="000000"/>
+                </a:solidFill>
+                <a:latin typeface="微軟正黑體" panose="020B0604030504040204" pitchFamily="34" charset="-120"/>
+                <a:ea typeface="微軟正黑體" panose="020B0604030504040204" pitchFamily="34" charset="-120"/>
+              </a:endParaRPr>
+            </a:p>
+          </p:txBody>
+        </p:sp>
+        <p:cxnSp>
+          <p:nvCxnSpPr>
+            <p:cNvPr id="67" name="直線接點 66">
+              <a:extLst>
+                <a:ext uri="{FF2B5EF4-FFF2-40B4-BE49-F238E27FC236}">
+                  <a16:creationId xmlns:a16="http://schemas.microsoft.com/office/drawing/2014/main" id="{7A123783-AE2D-470D-93B6-521036A99DDD}"/>
+                </a:ext>
+              </a:extLst>
+            </p:cNvPr>
+            <p:cNvCxnSpPr>
+              <a:cxnSpLocks/>
+            </p:cNvCxnSpPr>
+            <p:nvPr/>
+          </p:nvCxnSpPr>
+          <p:spPr>
+            <a:xfrm flipH="1" flipV="1">
+              <a:off x="6602097" y="3790161"/>
+              <a:ext cx="303528" cy="448577"/>
+            </a:xfrm>
+            <a:prstGeom prst="line">
+              <a:avLst/>
+            </a:prstGeom>
+            <a:ln w="38100">
+              <a:solidFill>
+                <a:srgbClr val="FF0000"/>
+              </a:solidFill>
+              <a:prstDash val="sysDash"/>
+            </a:ln>
+          </p:spPr>
+          <p:style>
+            <a:lnRef idx="1">
+              <a:schemeClr val="accent1"/>
+            </a:lnRef>
+            <a:fillRef idx="0">
+              <a:schemeClr val="accent1"/>
+            </a:fillRef>
+            <a:effectRef idx="0">
+              <a:schemeClr val="accent1"/>
+            </a:effectRef>
+            <a:fontRef idx="minor">
+              <a:schemeClr val="tx1"/>
+            </a:fontRef>
+          </p:style>
+        </p:cxnSp>
+        <p:sp>
+          <p:nvSpPr>
+            <p:cNvPr id="76" name="矩形 75">
+              <a:extLst>
+                <a:ext uri="{FF2B5EF4-FFF2-40B4-BE49-F238E27FC236}">
+                  <a16:creationId xmlns:a16="http://schemas.microsoft.com/office/drawing/2014/main" id="{CEA083DF-1F06-4C3E-82F3-20598543496C}"/>
+                </a:ext>
+              </a:extLst>
+            </p:cNvPr>
+            <p:cNvSpPr/>
+            <p:nvPr/>
+          </p:nvSpPr>
+          <p:spPr>
+            <a:xfrm>
+              <a:off x="9117805" y="3973627"/>
+              <a:ext cx="2169319" cy="437425"/>
+            </a:xfrm>
+            <a:prstGeom prst="rect">
+              <a:avLst/>
+            </a:prstGeom>
+            <a:solidFill>
+              <a:schemeClr val="bg1"/>
+            </a:solidFill>
+            <a:ln w="38100">
+              <a:solidFill>
+                <a:srgbClr val="456185"/>
+              </a:solidFill>
+            </a:ln>
+          </p:spPr>
+          <p:style>
+            <a:lnRef idx="2">
+              <a:schemeClr val="accent1">
+                <a:shade val="50000"/>
+              </a:schemeClr>
+            </a:lnRef>
+            <a:fillRef idx="1">
+              <a:schemeClr val="accent1"/>
+            </a:fillRef>
+            <a:effectRef idx="0">
+              <a:schemeClr val="accent1"/>
+            </a:effectRef>
+            <a:fontRef idx="minor">
+              <a:schemeClr val="lt1"/>
+            </a:fontRef>
+          </p:style>
+          <p:txBody>
+            <a:bodyPr rtlCol="0" anchor="ctr"/>
+            <a:lstStyle/>
+            <a:p>
+              <a:pPr algn="ctr"/>
+              <a:r>
+                <a:rPr lang="zh-TW" altLang="en-US" sz="1600" dirty="0">
+                  <a:solidFill>
+                    <a:sysClr val="windowText" lastClr="000000"/>
+                  </a:solidFill>
+                  <a:latin typeface="微軟正黑體" panose="020B0604030504040204" pitchFamily="34" charset="-120"/>
+                  <a:ea typeface="微軟正黑體" panose="020B0604030504040204" pitchFamily="34" charset="-120"/>
+                </a:rPr>
+                <a:t>室外組裝場</a:t>
+              </a:r>
+              <a:endParaRPr lang="en-US" altLang="zh-TW" sz="1600" dirty="0">
+                <a:solidFill>
+                  <a:sysClr val="windowText" lastClr="000000"/>
+                </a:solidFill>
+                <a:latin typeface="微軟正黑體" panose="020B0604030504040204" pitchFamily="34" charset="-120"/>
+                <a:ea typeface="微軟正黑體" panose="020B0604030504040204" pitchFamily="34" charset="-120"/>
+              </a:endParaRPr>
+            </a:p>
+          </p:txBody>
+        </p:sp>
+        <p:sp>
+          <p:nvSpPr>
+            <p:cNvPr id="77" name="矩形 76">
+              <a:extLst>
+                <a:ext uri="{FF2B5EF4-FFF2-40B4-BE49-F238E27FC236}">
+                  <a16:creationId xmlns:a16="http://schemas.microsoft.com/office/drawing/2014/main" id="{9473FF4F-DF5A-483E-B9D2-05BDB625D7DA}"/>
+                </a:ext>
+              </a:extLst>
+            </p:cNvPr>
+            <p:cNvSpPr/>
+            <p:nvPr/>
+          </p:nvSpPr>
+          <p:spPr>
+            <a:xfrm>
+              <a:off x="9117804" y="4687726"/>
+              <a:ext cx="2169319" cy="437425"/>
+            </a:xfrm>
+            <a:prstGeom prst="rect">
+              <a:avLst/>
+            </a:prstGeom>
+            <a:solidFill>
+              <a:schemeClr val="bg1"/>
+            </a:solidFill>
+            <a:ln w="38100">
+              <a:solidFill>
+                <a:srgbClr val="456185"/>
+              </a:solidFill>
+            </a:ln>
+          </p:spPr>
+          <p:style>
+            <a:lnRef idx="2">
+              <a:schemeClr val="accent1">
+                <a:shade val="50000"/>
+              </a:schemeClr>
+            </a:lnRef>
+            <a:fillRef idx="1">
+              <a:schemeClr val="accent1"/>
+            </a:fillRef>
+            <a:effectRef idx="0">
+              <a:schemeClr val="accent1"/>
+            </a:effectRef>
+            <a:fontRef idx="minor">
+              <a:schemeClr val="lt1"/>
+            </a:fontRef>
+          </p:style>
+          <p:txBody>
+            <a:bodyPr rtlCol="0" anchor="ctr"/>
+            <a:lstStyle/>
+            <a:p>
+              <a:pPr algn="ctr"/>
+              <a:r>
+                <a:rPr lang="zh-TW" altLang="en-US" sz="1600" dirty="0">
+                  <a:solidFill>
+                    <a:sysClr val="windowText" lastClr="000000"/>
+                  </a:solidFill>
+                  <a:latin typeface="微軟正黑體" panose="020B0604030504040204" pitchFamily="34" charset="-120"/>
+                  <a:ea typeface="微軟正黑體" panose="020B0604030504040204" pitchFamily="34" charset="-120"/>
+                </a:rPr>
+                <a:t>行政大樓</a:t>
+              </a:r>
+              <a:endParaRPr lang="en-US" altLang="zh-TW" sz="1600" dirty="0">
+                <a:solidFill>
+                  <a:sysClr val="windowText" lastClr="000000"/>
+                </a:solidFill>
+                <a:latin typeface="微軟正黑體" panose="020B0604030504040204" pitchFamily="34" charset="-120"/>
+                <a:ea typeface="微軟正黑體" panose="020B0604030504040204" pitchFamily="34" charset="-120"/>
+              </a:endParaRPr>
+            </a:p>
+          </p:txBody>
+        </p:sp>
+      </p:grpSp>
+      <p:sp>
+        <p:nvSpPr>
+          <p:cNvPr id="2" name="文字方塊 1">
+            <a:extLst>
+              <a:ext uri="{FF2B5EF4-FFF2-40B4-BE49-F238E27FC236}">
+                <a16:creationId xmlns:a16="http://schemas.microsoft.com/office/drawing/2014/main" id="{828028E2-2CFC-4787-AB06-D87508DD545D}"/>
+              </a:ext>
+            </a:extLst>
+          </p:cNvPr>
+          <p:cNvSpPr txBox="1"/>
+          <p:nvPr/>
+        </p:nvSpPr>
+        <p:spPr>
+          <a:xfrm>
+            <a:off x="197224" y="421341"/>
+            <a:ext cx="1580882" cy="369332"/>
+          </a:xfrm>
+          <a:prstGeom prst="rect">
+            <a:avLst/>
+          </a:prstGeom>
+          <a:noFill/>
+        </p:spPr>
+        <p:txBody>
+          <a:bodyPr wrap="none" rtlCol="0">
+            <a:spAutoFit/>
+          </a:bodyPr>
+          <a:lstStyle/>
+          <a:p>
+            <a:r>
+              <a:rPr lang="en-US" altLang="zh-TW" dirty="0"/>
+              <a:t>114.07.14</a:t>
+            </a:r>
+            <a:r>
+              <a:rPr lang="zh-TW" altLang="en-US" dirty="0"/>
+              <a:t>更新</a:t>
+            </a:r>
+          </a:p>
+        </p:txBody>
+      </p:sp>
+    </p:spTree>
+    <p:extLst>
+      <p:ext uri="{BB962C8B-B14F-4D97-AF65-F5344CB8AC3E}">
+        <p14:creationId xmlns:p14="http://schemas.microsoft.com/office/powerpoint/2010/main" val="4107153202"/>
+      </p:ext>
+    </p:extLst>
+  </p:cSld>
+  <p:clrMapOvr>
+    <a:masterClrMapping/>
+  </p:clrMapOvr>
+</p:sld>
+</file>
+
 <file path=ppt/theme/theme1.xml><?xml version="1.0" encoding="utf-8"?>
 <a:theme xmlns:a="http://schemas.openxmlformats.org/drawingml/2006/main" name="Office 佈景主題">
   <a:themeElements>
